--- a/Group_Facilitator_AbhinavTyagi.pptx
+++ b/Group_Facilitator_AbhinavTyagi.pptx
@@ -844,7 +844,7 @@
   <p:cSld>
     <p:spTree>
       <p:nvGrpSpPr>
-        <p:cNvPr id="182" name="Shape 182"/>
+        <p:cNvPr id="183" name="Shape 183"/>
         <p:cNvGrpSpPr/>
         <p:nvPr/>
       </p:nvGrpSpPr>
@@ -858,7 +858,7 @@
       </p:grpSpPr>
       <p:sp>
         <p:nvSpPr>
-          <p:cNvPr id="183" name="Google Shape;183;g160c2097c27_0_87:notes"/>
+          <p:cNvPr id="184" name="Google Shape;184;g160c2097c27_0_87:notes"/>
           <p:cNvSpPr/>
           <p:nvPr>
             <p:ph idx="2" type="sldImg"/>
@@ -893,7 +893,7 @@
       </p:sp>
       <p:sp>
         <p:nvSpPr>
-          <p:cNvPr id="184" name="Google Shape;184;g160c2097c27_0_87:notes"/>
+          <p:cNvPr id="185" name="Google Shape;185;g160c2097c27_0_87:notes"/>
           <p:cNvSpPr txBox="1"/>
           <p:nvPr>
             <p:ph idx="1" type="body"/>
@@ -943,7 +943,7 @@
   <p:cSld>
     <p:spTree>
       <p:nvGrpSpPr>
-        <p:cNvPr id="194" name="Shape 194"/>
+        <p:cNvPr id="195" name="Shape 195"/>
         <p:cNvGrpSpPr/>
         <p:nvPr/>
       </p:nvGrpSpPr>
@@ -957,7 +957,7 @@
       </p:grpSpPr>
       <p:sp>
         <p:nvSpPr>
-          <p:cNvPr id="195" name="Google Shape;195;g160c2097c27_0_100:notes"/>
+          <p:cNvPr id="196" name="Google Shape;196;g160c2097c27_0_100:notes"/>
           <p:cNvSpPr/>
           <p:nvPr>
             <p:ph idx="2" type="sldImg"/>
@@ -992,7 +992,7 @@
       </p:sp>
       <p:sp>
         <p:nvSpPr>
-          <p:cNvPr id="196" name="Google Shape;196;g160c2097c27_0_100:notes"/>
+          <p:cNvPr id="197" name="Google Shape;197;g160c2097c27_0_100:notes"/>
           <p:cNvSpPr txBox="1"/>
           <p:nvPr>
             <p:ph idx="1" type="body"/>
@@ -1042,7 +1042,7 @@
   <p:cSld>
     <p:spTree>
       <p:nvGrpSpPr>
-        <p:cNvPr id="205" name="Shape 205"/>
+        <p:cNvPr id="206" name="Shape 206"/>
         <p:cNvGrpSpPr/>
         <p:nvPr/>
       </p:nvGrpSpPr>
@@ -1056,7 +1056,7 @@
       </p:grpSpPr>
       <p:sp>
         <p:nvSpPr>
-          <p:cNvPr id="206" name="Google Shape;206;g160c2097c27_0_112:notes"/>
+          <p:cNvPr id="207" name="Google Shape;207;g160c2097c27_0_112:notes"/>
           <p:cNvSpPr/>
           <p:nvPr>
             <p:ph idx="2" type="sldImg"/>
@@ -1091,7 +1091,7 @@
       </p:sp>
       <p:sp>
         <p:nvSpPr>
-          <p:cNvPr id="207" name="Google Shape;207;g160c2097c27_0_112:notes"/>
+          <p:cNvPr id="208" name="Google Shape;208;g160c2097c27_0_112:notes"/>
           <p:cNvSpPr txBox="1"/>
           <p:nvPr>
             <p:ph idx="1" type="body"/>
@@ -1141,7 +1141,7 @@
   <p:cSld>
     <p:spTree>
       <p:nvGrpSpPr>
-        <p:cNvPr id="217" name="Shape 217"/>
+        <p:cNvPr id="218" name="Shape 218"/>
         <p:cNvGrpSpPr/>
         <p:nvPr/>
       </p:nvGrpSpPr>
@@ -1155,7 +1155,7 @@
       </p:grpSpPr>
       <p:sp>
         <p:nvSpPr>
-          <p:cNvPr id="218" name="Google Shape;218;g160c2097c27_0_124:notes"/>
+          <p:cNvPr id="219" name="Google Shape;219;g160c2097c27_0_124:notes"/>
           <p:cNvSpPr/>
           <p:nvPr>
             <p:ph idx="2" type="sldImg"/>
@@ -1190,7 +1190,7 @@
       </p:sp>
       <p:sp>
         <p:nvSpPr>
-          <p:cNvPr id="219" name="Google Shape;219;g160c2097c27_0_124:notes"/>
+          <p:cNvPr id="220" name="Google Shape;220;g160c2097c27_0_124:notes"/>
           <p:cNvSpPr txBox="1"/>
           <p:nvPr>
             <p:ph idx="1" type="body"/>
@@ -1240,7 +1240,7 @@
   <p:cSld>
     <p:spTree>
       <p:nvGrpSpPr>
-        <p:cNvPr id="229" name="Shape 229"/>
+        <p:cNvPr id="230" name="Shape 230"/>
         <p:cNvGrpSpPr/>
         <p:nvPr/>
       </p:nvGrpSpPr>
@@ -1254,7 +1254,7 @@
       </p:grpSpPr>
       <p:sp>
         <p:nvSpPr>
-          <p:cNvPr id="230" name="Google Shape;230;g160c2097c27_0_137:notes"/>
+          <p:cNvPr id="231" name="Google Shape;231;g160c2097c27_0_137:notes"/>
           <p:cNvSpPr/>
           <p:nvPr>
             <p:ph idx="2" type="sldImg"/>
@@ -1289,7 +1289,7 @@
       </p:sp>
       <p:sp>
         <p:nvSpPr>
-          <p:cNvPr id="231" name="Google Shape;231;g160c2097c27_0_137:notes"/>
+          <p:cNvPr id="232" name="Google Shape;232;g160c2097c27_0_137:notes"/>
           <p:cNvSpPr txBox="1"/>
           <p:nvPr>
             <p:ph idx="1" type="body"/>
@@ -1339,7 +1339,7 @@
   <p:cSld>
     <p:spTree>
       <p:nvGrpSpPr>
-        <p:cNvPr id="240" name="Shape 240"/>
+        <p:cNvPr id="241" name="Shape 241"/>
         <p:cNvGrpSpPr/>
         <p:nvPr/>
       </p:nvGrpSpPr>
@@ -1353,7 +1353,7 @@
       </p:grpSpPr>
       <p:sp>
         <p:nvSpPr>
-          <p:cNvPr id="241" name="Google Shape;241;g160c2097c27_0_160:notes"/>
+          <p:cNvPr id="242" name="Google Shape;242;g160c2097c27_0_160:notes"/>
           <p:cNvSpPr/>
           <p:nvPr>
             <p:ph idx="2" type="sldImg"/>
@@ -1388,7 +1388,7 @@
       </p:sp>
       <p:sp>
         <p:nvSpPr>
-          <p:cNvPr id="242" name="Google Shape;242;g160c2097c27_0_160:notes"/>
+          <p:cNvPr id="243" name="Google Shape;243;g160c2097c27_0_160:notes"/>
           <p:cNvSpPr txBox="1"/>
           <p:nvPr>
             <p:ph idx="1" type="body"/>
@@ -1438,7 +1438,7 @@
   <p:cSld>
     <p:spTree>
       <p:nvGrpSpPr>
-        <p:cNvPr id="252" name="Shape 252"/>
+        <p:cNvPr id="253" name="Shape 253"/>
         <p:cNvGrpSpPr/>
         <p:nvPr/>
       </p:nvGrpSpPr>
@@ -1452,7 +1452,7 @@
       </p:grpSpPr>
       <p:sp>
         <p:nvSpPr>
-          <p:cNvPr id="253" name="Google Shape;253;g160c2097c27_0_182:notes"/>
+          <p:cNvPr id="254" name="Google Shape;254;g160c2097c27_0_182:notes"/>
           <p:cNvSpPr/>
           <p:nvPr>
             <p:ph idx="2" type="sldImg"/>
@@ -1487,7 +1487,7 @@
       </p:sp>
       <p:sp>
         <p:nvSpPr>
-          <p:cNvPr id="254" name="Google Shape;254;g160c2097c27_0_182:notes"/>
+          <p:cNvPr id="255" name="Google Shape;255;g160c2097c27_0_182:notes"/>
           <p:cNvSpPr txBox="1"/>
           <p:nvPr>
             <p:ph idx="1" type="body"/>
@@ -1537,7 +1537,7 @@
   <p:cSld>
     <p:spTree>
       <p:nvGrpSpPr>
-        <p:cNvPr id="262" name="Shape 262"/>
+        <p:cNvPr id="263" name="Shape 263"/>
         <p:cNvGrpSpPr/>
         <p:nvPr/>
       </p:nvGrpSpPr>
@@ -1551,7 +1551,7 @@
       </p:grpSpPr>
       <p:sp>
         <p:nvSpPr>
-          <p:cNvPr id="263" name="Google Shape;263;g160c2097c27_0_194:notes"/>
+          <p:cNvPr id="264" name="Google Shape;264;g160c2097c27_0_194:notes"/>
           <p:cNvSpPr/>
           <p:nvPr>
             <p:ph idx="2" type="sldImg"/>
@@ -1586,7 +1586,7 @@
       </p:sp>
       <p:sp>
         <p:nvSpPr>
-          <p:cNvPr id="264" name="Google Shape;264;g160c2097c27_0_194:notes"/>
+          <p:cNvPr id="265" name="Google Shape;265;g160c2097c27_0_194:notes"/>
           <p:cNvSpPr txBox="1"/>
           <p:nvPr>
             <p:ph idx="1" type="body"/>
@@ -1636,7 +1636,7 @@
   <p:cSld>
     <p:spTree>
       <p:nvGrpSpPr>
-        <p:cNvPr id="274" name="Shape 274"/>
+        <p:cNvPr id="275" name="Shape 275"/>
         <p:cNvGrpSpPr/>
         <p:nvPr/>
       </p:nvGrpSpPr>
@@ -1650,7 +1650,7 @@
       </p:grpSpPr>
       <p:sp>
         <p:nvSpPr>
-          <p:cNvPr id="275" name="Google Shape;275;g160c2097c27_0_204:notes"/>
+          <p:cNvPr id="276" name="Google Shape;276;g160c2097c27_0_204:notes"/>
           <p:cNvSpPr/>
           <p:nvPr>
             <p:ph idx="2" type="sldImg"/>
@@ -1685,7 +1685,7 @@
       </p:sp>
       <p:sp>
         <p:nvSpPr>
-          <p:cNvPr id="276" name="Google Shape;276;g160c2097c27_0_204:notes"/>
+          <p:cNvPr id="277" name="Google Shape;277;g160c2097c27_0_204:notes"/>
           <p:cNvSpPr txBox="1"/>
           <p:nvPr>
             <p:ph idx="1" type="body"/>
@@ -1735,7 +1735,7 @@
   <p:cSld>
     <p:spTree>
       <p:nvGrpSpPr>
-        <p:cNvPr id="285" name="Shape 285"/>
+        <p:cNvPr id="286" name="Shape 286"/>
         <p:cNvGrpSpPr/>
         <p:nvPr/>
       </p:nvGrpSpPr>
@@ -1749,7 +1749,7 @@
       </p:grpSpPr>
       <p:sp>
         <p:nvSpPr>
-          <p:cNvPr id="286" name="Google Shape;286;g160c2097c27_0_218:notes"/>
+          <p:cNvPr id="287" name="Google Shape;287;g160c2097c27_0_218:notes"/>
           <p:cNvSpPr/>
           <p:nvPr>
             <p:ph idx="2" type="sldImg"/>
@@ -1784,7 +1784,7 @@
       </p:sp>
       <p:sp>
         <p:nvSpPr>
-          <p:cNvPr id="287" name="Google Shape;287;g160c2097c27_0_218:notes"/>
+          <p:cNvPr id="288" name="Google Shape;288;g160c2097c27_0_218:notes"/>
           <p:cNvSpPr txBox="1"/>
           <p:nvPr>
             <p:ph idx="1" type="body"/>
@@ -1933,7 +1933,7 @@
   <p:cSld>
     <p:spTree>
       <p:nvGrpSpPr>
-        <p:cNvPr id="297" name="Shape 297"/>
+        <p:cNvPr id="298" name="Shape 298"/>
         <p:cNvGrpSpPr/>
         <p:nvPr/>
       </p:nvGrpSpPr>
@@ -1947,7 +1947,7 @@
       </p:grpSpPr>
       <p:sp>
         <p:nvSpPr>
-          <p:cNvPr id="298" name="Google Shape;298;g160c2097c27_0_228:notes"/>
+          <p:cNvPr id="299" name="Google Shape;299;g160c2097c27_0_228:notes"/>
           <p:cNvSpPr/>
           <p:nvPr>
             <p:ph idx="2" type="sldImg"/>
@@ -1982,7 +1982,7 @@
       </p:sp>
       <p:sp>
         <p:nvSpPr>
-          <p:cNvPr id="299" name="Google Shape;299;g160c2097c27_0_228:notes"/>
+          <p:cNvPr id="300" name="Google Shape;300;g160c2097c27_0_228:notes"/>
           <p:cNvSpPr txBox="1"/>
           <p:nvPr>
             <p:ph idx="1" type="body"/>
@@ -2032,7 +2032,7 @@
   <p:cSld>
     <p:spTree>
       <p:nvGrpSpPr>
-        <p:cNvPr id="308" name="Shape 308"/>
+        <p:cNvPr id="309" name="Shape 309"/>
         <p:cNvGrpSpPr/>
         <p:nvPr/>
       </p:nvGrpSpPr>
@@ -2046,7 +2046,7 @@
       </p:grpSpPr>
       <p:sp>
         <p:nvSpPr>
-          <p:cNvPr id="309" name="Google Shape;309;g160c2097c27_0_237:notes"/>
+          <p:cNvPr id="310" name="Google Shape;310;g160c2097c27_0_237:notes"/>
           <p:cNvSpPr/>
           <p:nvPr>
             <p:ph idx="2" type="sldImg"/>
@@ -2081,7 +2081,7 @@
       </p:sp>
       <p:sp>
         <p:nvSpPr>
-          <p:cNvPr id="310" name="Google Shape;310;g160c2097c27_0_237:notes"/>
+          <p:cNvPr id="311" name="Google Shape;311;g160c2097c27_0_237:notes"/>
           <p:cNvSpPr txBox="1"/>
           <p:nvPr>
             <p:ph idx="1" type="body"/>
@@ -2131,7 +2131,7 @@
   <p:cSld>
     <p:spTree>
       <p:nvGrpSpPr>
-        <p:cNvPr id="319" name="Shape 319"/>
+        <p:cNvPr id="320" name="Shape 320"/>
         <p:cNvGrpSpPr/>
         <p:nvPr/>
       </p:nvGrpSpPr>
@@ -2145,7 +2145,7 @@
       </p:grpSpPr>
       <p:sp>
         <p:nvSpPr>
-          <p:cNvPr id="320" name="Google Shape;320;g160c2097c27_0_247:notes"/>
+          <p:cNvPr id="321" name="Google Shape;321;g160c2097c27_0_247:notes"/>
           <p:cNvSpPr/>
           <p:nvPr>
             <p:ph idx="2" type="sldImg"/>
@@ -2180,7 +2180,7 @@
       </p:sp>
       <p:sp>
         <p:nvSpPr>
-          <p:cNvPr id="321" name="Google Shape;321;g160c2097c27_0_247:notes"/>
+          <p:cNvPr id="322" name="Google Shape;322;g160c2097c27_0_247:notes"/>
           <p:cNvSpPr txBox="1"/>
           <p:nvPr>
             <p:ph idx="1" type="body"/>
@@ -2230,7 +2230,7 @@
   <p:cSld>
     <p:spTree>
       <p:nvGrpSpPr>
-        <p:cNvPr id="330" name="Shape 330"/>
+        <p:cNvPr id="331" name="Shape 331"/>
         <p:cNvGrpSpPr/>
         <p:nvPr/>
       </p:nvGrpSpPr>
@@ -2244,7 +2244,7 @@
       </p:grpSpPr>
       <p:sp>
         <p:nvSpPr>
-          <p:cNvPr id="331" name="Google Shape;331;g160c2097c27_0_256:notes"/>
+          <p:cNvPr id="332" name="Google Shape;332;g160c2097c27_0_256:notes"/>
           <p:cNvSpPr/>
           <p:nvPr>
             <p:ph idx="2" type="sldImg"/>
@@ -2279,7 +2279,7 @@
       </p:sp>
       <p:sp>
         <p:nvSpPr>
-          <p:cNvPr id="332" name="Google Shape;332;g160c2097c27_0_256:notes"/>
+          <p:cNvPr id="333" name="Google Shape;333;g160c2097c27_0_256:notes"/>
           <p:cNvSpPr txBox="1"/>
           <p:nvPr>
             <p:ph idx="1" type="body"/>
@@ -2329,7 +2329,7 @@
   <p:cSld>
     <p:spTree>
       <p:nvGrpSpPr>
-        <p:cNvPr id="342" name="Shape 342"/>
+        <p:cNvPr id="343" name="Shape 343"/>
         <p:cNvGrpSpPr/>
         <p:nvPr/>
       </p:nvGrpSpPr>
@@ -2343,7 +2343,7 @@
       </p:grpSpPr>
       <p:sp>
         <p:nvSpPr>
-          <p:cNvPr id="343" name="Google Shape;343;g160c2097c27_0_299:notes"/>
+          <p:cNvPr id="344" name="Google Shape;344;g160c2097c27_0_299:notes"/>
           <p:cNvSpPr/>
           <p:nvPr>
             <p:ph idx="2" type="sldImg"/>
@@ -2378,7 +2378,7 @@
       </p:sp>
       <p:sp>
         <p:nvSpPr>
-          <p:cNvPr id="344" name="Google Shape;344;g160c2097c27_0_299:notes"/>
+          <p:cNvPr id="345" name="Google Shape;345;g160c2097c27_0_299:notes"/>
           <p:cNvSpPr txBox="1"/>
           <p:nvPr>
             <p:ph idx="1" type="body"/>
@@ -2428,7 +2428,7 @@
   <p:cSld>
     <p:spTree>
       <p:nvGrpSpPr>
-        <p:cNvPr id="353" name="Shape 353"/>
+        <p:cNvPr id="354" name="Shape 354"/>
         <p:cNvGrpSpPr/>
         <p:nvPr/>
       </p:nvGrpSpPr>
@@ -2442,7 +2442,7 @@
       </p:grpSpPr>
       <p:sp>
         <p:nvSpPr>
-          <p:cNvPr id="354" name="Google Shape;354;g160c2097c27_0_312:notes"/>
+          <p:cNvPr id="355" name="Google Shape;355;g160c2097c27_0_312:notes"/>
           <p:cNvSpPr/>
           <p:nvPr>
             <p:ph idx="2" type="sldImg"/>
@@ -2477,7 +2477,7 @@
       </p:sp>
       <p:sp>
         <p:nvSpPr>
-          <p:cNvPr id="355" name="Google Shape;355;g160c2097c27_0_312:notes"/>
+          <p:cNvPr id="356" name="Google Shape;356;g160c2097c27_0_312:notes"/>
           <p:cNvSpPr txBox="1"/>
           <p:nvPr>
             <p:ph idx="1" type="body"/>
@@ -2527,7 +2527,7 @@
   <p:cSld>
     <p:spTree>
       <p:nvGrpSpPr>
-        <p:cNvPr id="365" name="Shape 365"/>
+        <p:cNvPr id="366" name="Shape 366"/>
         <p:cNvGrpSpPr/>
         <p:nvPr/>
       </p:nvGrpSpPr>
@@ -2541,7 +2541,7 @@
       </p:grpSpPr>
       <p:sp>
         <p:nvSpPr>
-          <p:cNvPr id="366" name="Google Shape;366;gc6f9e470d_0_24:notes"/>
+          <p:cNvPr id="367" name="Google Shape;367;gc6f9e470d_0_24:notes"/>
           <p:cNvSpPr/>
           <p:nvPr>
             <p:ph idx="2" type="sldImg"/>
@@ -2576,7 +2576,7 @@
       </p:sp>
       <p:sp>
         <p:nvSpPr>
-          <p:cNvPr id="367" name="Google Shape;367;gc6f9e470d_0_24:notes"/>
+          <p:cNvPr id="368" name="Google Shape;368;gc6f9e470d_0_24:notes"/>
           <p:cNvSpPr txBox="1"/>
           <p:nvPr>
             <p:ph idx="1" type="body"/>
@@ -2626,7 +2626,7 @@
   <p:cSld>
     <p:spTree>
       <p:nvGrpSpPr>
-        <p:cNvPr id="380" name="Shape 380"/>
+        <p:cNvPr id="381" name="Shape 381"/>
         <p:cNvGrpSpPr/>
         <p:nvPr/>
       </p:nvGrpSpPr>
@@ -2640,7 +2640,7 @@
       </p:grpSpPr>
       <p:sp>
         <p:nvSpPr>
-          <p:cNvPr id="381" name="Google Shape;381;g160c2097c27_0_358:notes"/>
+          <p:cNvPr id="382" name="Google Shape;382;g160c2097c27_0_358:notes"/>
           <p:cNvSpPr/>
           <p:nvPr>
             <p:ph idx="2" type="sldImg"/>
@@ -2675,7 +2675,7 @@
       </p:sp>
       <p:sp>
         <p:nvSpPr>
-          <p:cNvPr id="382" name="Google Shape;382;g160c2097c27_0_358:notes"/>
+          <p:cNvPr id="383" name="Google Shape;383;g160c2097c27_0_358:notes"/>
           <p:cNvSpPr txBox="1"/>
           <p:nvPr>
             <p:ph idx="1" type="body"/>
@@ -3022,7 +3022,7 @@
   <p:cSld>
     <p:spTree>
       <p:nvGrpSpPr>
-        <p:cNvPr id="140" name="Shape 140"/>
+        <p:cNvPr id="141" name="Shape 141"/>
         <p:cNvGrpSpPr/>
         <p:nvPr/>
       </p:nvGrpSpPr>
@@ -3036,7 +3036,7 @@
       </p:grpSpPr>
       <p:sp>
         <p:nvSpPr>
-          <p:cNvPr id="141" name="Google Shape;141;g160c2097c27_0_46:notes"/>
+          <p:cNvPr id="142" name="Google Shape;142;g160c2097c27_0_46:notes"/>
           <p:cNvSpPr/>
           <p:nvPr>
             <p:ph idx="2" type="sldImg"/>
@@ -3071,7 +3071,7 @@
       </p:sp>
       <p:sp>
         <p:nvSpPr>
-          <p:cNvPr id="142" name="Google Shape;142;g160c2097c27_0_46:notes"/>
+          <p:cNvPr id="143" name="Google Shape;143;g160c2097c27_0_46:notes"/>
           <p:cNvSpPr txBox="1"/>
           <p:nvPr>
             <p:ph idx="1" type="body"/>
@@ -3121,7 +3121,7 @@
   <p:cSld>
     <p:spTree>
       <p:nvGrpSpPr>
-        <p:cNvPr id="150" name="Shape 150"/>
+        <p:cNvPr id="151" name="Shape 151"/>
         <p:cNvGrpSpPr/>
         <p:nvPr/>
       </p:nvGrpSpPr>
@@ -3135,7 +3135,7 @@
       </p:grpSpPr>
       <p:sp>
         <p:nvSpPr>
-          <p:cNvPr id="151" name="Google Shape;151;g160c2097c27_0_76:notes"/>
+          <p:cNvPr id="152" name="Google Shape;152;g160c2097c27_0_76:notes"/>
           <p:cNvSpPr/>
           <p:nvPr>
             <p:ph idx="2" type="sldImg"/>
@@ -3170,7 +3170,7 @@
       </p:sp>
       <p:sp>
         <p:nvSpPr>
-          <p:cNvPr id="152" name="Google Shape;152;g160c2097c27_0_76:notes"/>
+          <p:cNvPr id="153" name="Google Shape;153;g160c2097c27_0_76:notes"/>
           <p:cNvSpPr txBox="1"/>
           <p:nvPr>
             <p:ph idx="1" type="body"/>
@@ -3220,7 +3220,7 @@
   <p:cSld>
     <p:spTree>
       <p:nvGrpSpPr>
-        <p:cNvPr id="160" name="Shape 160"/>
+        <p:cNvPr id="161" name="Shape 161"/>
         <p:cNvGrpSpPr/>
         <p:nvPr/>
       </p:nvGrpSpPr>
@@ -3234,7 +3234,7 @@
       </p:grpSpPr>
       <p:sp>
         <p:nvSpPr>
-          <p:cNvPr id="161" name="Google Shape;161;g160c2097c27_0_65:notes"/>
+          <p:cNvPr id="162" name="Google Shape;162;g160c2097c27_0_65:notes"/>
           <p:cNvSpPr/>
           <p:nvPr>
             <p:ph idx="2" type="sldImg"/>
@@ -3269,7 +3269,7 @@
       </p:sp>
       <p:sp>
         <p:nvSpPr>
-          <p:cNvPr id="162" name="Google Shape;162;g160c2097c27_0_65:notes"/>
+          <p:cNvPr id="163" name="Google Shape;163;g160c2097c27_0_65:notes"/>
           <p:cNvSpPr txBox="1"/>
           <p:nvPr>
             <p:ph idx="1" type="body"/>
@@ -3319,7 +3319,7 @@
   <p:cSld>
     <p:spTree>
       <p:nvGrpSpPr>
-        <p:cNvPr id="171" name="Shape 171"/>
+        <p:cNvPr id="172" name="Shape 172"/>
         <p:cNvGrpSpPr/>
         <p:nvPr/>
       </p:nvGrpSpPr>
@@ -3333,7 +3333,7 @@
       </p:grpSpPr>
       <p:sp>
         <p:nvSpPr>
-          <p:cNvPr id="172" name="Google Shape;172;g160c2097c27_0_36:notes"/>
+          <p:cNvPr id="173" name="Google Shape;173;g160c2097c27_0_36:notes"/>
           <p:cNvSpPr/>
           <p:nvPr>
             <p:ph idx="2" type="sldImg"/>
@@ -3368,7 +3368,7 @@
       </p:sp>
       <p:sp>
         <p:nvSpPr>
-          <p:cNvPr id="173" name="Google Shape;173;g160c2097c27_0_36:notes"/>
+          <p:cNvPr id="174" name="Google Shape;174;g160c2097c27_0_36:notes"/>
           <p:cNvSpPr txBox="1"/>
           <p:nvPr>
             <p:ph idx="1" type="body"/>
@@ -10325,7 +10325,7 @@
   <p:cSld>
     <p:spTree>
       <p:nvGrpSpPr>
-        <p:cNvPr id="185" name="Shape 185"/>
+        <p:cNvPr id="186" name="Shape 186"/>
         <p:cNvGrpSpPr/>
         <p:nvPr/>
       </p:nvGrpSpPr>
@@ -10339,7 +10339,7 @@
       </p:grpSpPr>
       <p:sp>
         <p:nvSpPr>
-          <p:cNvPr id="186" name="Google Shape;186;p22"/>
+          <p:cNvPr id="187" name="Google Shape;187;p22"/>
           <p:cNvSpPr/>
           <p:nvPr/>
         </p:nvSpPr>
@@ -10390,7 +10390,7 @@
       </p:sp>
       <p:sp>
         <p:nvSpPr>
-          <p:cNvPr id="187" name="Google Shape;187;p22"/>
+          <p:cNvPr id="188" name="Google Shape;188;p22"/>
           <p:cNvSpPr/>
           <p:nvPr/>
         </p:nvSpPr>
@@ -10441,7 +10441,7 @@
       </p:sp>
       <p:sp>
         <p:nvSpPr>
-          <p:cNvPr id="188" name="Google Shape;188;p22"/>
+          <p:cNvPr id="189" name="Google Shape;189;p22"/>
           <p:cNvSpPr txBox="1"/>
           <p:nvPr/>
         </p:nvSpPr>
@@ -10499,7 +10499,7 @@
       </p:sp>
       <p:sp>
         <p:nvSpPr>
-          <p:cNvPr id="189" name="Google Shape;189;p22"/>
+          <p:cNvPr id="190" name="Google Shape;190;p22"/>
           <p:cNvSpPr txBox="1"/>
           <p:nvPr/>
         </p:nvSpPr>
@@ -10545,7 +10545,7 @@
       </p:sp>
       <p:pic>
         <p:nvPicPr>
-          <p:cNvPr id="190" name="Google Shape;190;p22"/>
+          <p:cNvPr id="191" name="Google Shape;191;p22"/>
           <p:cNvPicPr preferRelativeResize="0"/>
           <p:nvPr/>
         </p:nvPicPr>
@@ -10573,7 +10573,7 @@
       </p:pic>
       <p:sp>
         <p:nvSpPr>
-          <p:cNvPr id="191" name="Google Shape;191;p22"/>
+          <p:cNvPr id="192" name="Google Shape;192;p22"/>
           <p:cNvSpPr txBox="1"/>
           <p:nvPr/>
         </p:nvSpPr>
@@ -10631,7 +10631,7 @@
       </p:sp>
       <p:sp>
         <p:nvSpPr>
-          <p:cNvPr id="192" name="Google Shape;192;p22"/>
+          <p:cNvPr id="193" name="Google Shape;193;p22"/>
           <p:cNvSpPr txBox="1"/>
           <p:nvPr/>
         </p:nvSpPr>
@@ -10689,7 +10689,7 @@
       </p:sp>
       <p:sp>
         <p:nvSpPr>
-          <p:cNvPr id="193" name="Google Shape;193;p22"/>
+          <p:cNvPr id="194" name="Google Shape;194;p22"/>
           <p:cNvSpPr txBox="1"/>
           <p:nvPr/>
         </p:nvSpPr>
@@ -10758,7 +10758,7 @@
   <p:cSld>
     <p:spTree>
       <p:nvGrpSpPr>
-        <p:cNvPr id="197" name="Shape 197"/>
+        <p:cNvPr id="198" name="Shape 198"/>
         <p:cNvGrpSpPr/>
         <p:nvPr/>
       </p:nvGrpSpPr>
@@ -10772,7 +10772,7 @@
       </p:grpSpPr>
       <p:sp>
         <p:nvSpPr>
-          <p:cNvPr id="198" name="Google Shape;198;p23"/>
+          <p:cNvPr id="199" name="Google Shape;199;p23"/>
           <p:cNvSpPr/>
           <p:nvPr/>
         </p:nvSpPr>
@@ -10827,7 +10827,7 @@
       </p:sp>
       <p:sp>
         <p:nvSpPr>
-          <p:cNvPr id="199" name="Google Shape;199;p23"/>
+          <p:cNvPr id="200" name="Google Shape;200;p23"/>
           <p:cNvSpPr/>
           <p:nvPr/>
         </p:nvSpPr>
@@ -10876,7 +10876,7 @@
       </p:sp>
       <p:sp>
         <p:nvSpPr>
-          <p:cNvPr id="200" name="Google Shape;200;p23"/>
+          <p:cNvPr id="201" name="Google Shape;201;p23"/>
           <p:cNvSpPr txBox="1"/>
           <p:nvPr/>
         </p:nvSpPr>
@@ -10934,7 +10934,7 @@
       </p:sp>
       <p:sp>
         <p:nvSpPr>
-          <p:cNvPr id="201" name="Google Shape;201;p23"/>
+          <p:cNvPr id="202" name="Google Shape;202;p23"/>
           <p:cNvSpPr txBox="1"/>
           <p:nvPr/>
         </p:nvSpPr>
@@ -10983,7 +10983,7 @@
       </p:sp>
       <p:sp>
         <p:nvSpPr>
-          <p:cNvPr id="202" name="Google Shape;202;p23"/>
+          <p:cNvPr id="203" name="Google Shape;203;p23"/>
           <p:cNvSpPr txBox="1"/>
           <p:nvPr/>
         </p:nvSpPr>
@@ -11073,7 +11073,7 @@
                 <a:cs typeface="Merriweather"/>
                 <a:sym typeface="Merriweather"/>
               </a:rPr>
-              <a:t> therefore, as the alphabets go on, so does the charge off ratio, therefore a positive linear distribution between the two.</a:t>
+              <a:t> therefore, as the alphabets go on, charge off ratio increases, therefore a positive linear distribution between the two.</a:t>
             </a:r>
             <a:endParaRPr>
               <a:solidFill>
@@ -11089,7 +11089,7 @@
       </p:sp>
       <p:pic>
         <p:nvPicPr>
-          <p:cNvPr id="203" name="Google Shape;203;p23"/>
+          <p:cNvPr id="204" name="Google Shape;204;p23"/>
           <p:cNvPicPr preferRelativeResize="0"/>
           <p:nvPr/>
         </p:nvPicPr>
@@ -11117,7 +11117,7 @@
       </p:pic>
       <p:sp>
         <p:nvSpPr>
-          <p:cNvPr id="204" name="Google Shape;204;p23"/>
+          <p:cNvPr id="205" name="Google Shape;205;p23"/>
           <p:cNvSpPr txBox="1"/>
           <p:nvPr/>
         </p:nvSpPr>
@@ -11186,7 +11186,7 @@
   <p:cSld>
     <p:spTree>
       <p:nvGrpSpPr>
-        <p:cNvPr id="208" name="Shape 208"/>
+        <p:cNvPr id="209" name="Shape 209"/>
         <p:cNvGrpSpPr/>
         <p:nvPr/>
       </p:nvGrpSpPr>
@@ -11200,7 +11200,7 @@
       </p:grpSpPr>
       <p:sp>
         <p:nvSpPr>
-          <p:cNvPr id="209" name="Google Shape;209;p24"/>
+          <p:cNvPr id="210" name="Google Shape;210;p24"/>
           <p:cNvSpPr/>
           <p:nvPr/>
         </p:nvSpPr>
@@ -11251,7 +11251,7 @@
       </p:sp>
       <p:sp>
         <p:nvSpPr>
-          <p:cNvPr id="210" name="Google Shape;210;p24"/>
+          <p:cNvPr id="211" name="Google Shape;211;p24"/>
           <p:cNvSpPr/>
           <p:nvPr/>
         </p:nvSpPr>
@@ -11302,7 +11302,7 @@
       </p:sp>
       <p:sp>
         <p:nvSpPr>
-          <p:cNvPr id="211" name="Google Shape;211;p24"/>
+          <p:cNvPr id="212" name="Google Shape;212;p24"/>
           <p:cNvSpPr txBox="1"/>
           <p:nvPr/>
         </p:nvSpPr>
@@ -11360,7 +11360,7 @@
       </p:sp>
       <p:sp>
         <p:nvSpPr>
-          <p:cNvPr id="212" name="Google Shape;212;p24"/>
+          <p:cNvPr id="213" name="Google Shape;213;p24"/>
           <p:cNvSpPr txBox="1"/>
           <p:nvPr/>
         </p:nvSpPr>
@@ -11406,7 +11406,7 @@
       </p:sp>
       <p:sp>
         <p:nvSpPr>
-          <p:cNvPr id="213" name="Google Shape;213;p24"/>
+          <p:cNvPr id="214" name="Google Shape;214;p24"/>
           <p:cNvSpPr txBox="1"/>
           <p:nvPr/>
         </p:nvSpPr>
@@ -11585,7 +11585,7 @@
       </p:sp>
       <p:pic>
         <p:nvPicPr>
-          <p:cNvPr id="214" name="Google Shape;214;p24"/>
+          <p:cNvPr id="215" name="Google Shape;215;p24"/>
           <p:cNvPicPr preferRelativeResize="0"/>
           <p:nvPr/>
         </p:nvPicPr>
@@ -11613,7 +11613,7 @@
       </p:pic>
       <p:sp>
         <p:nvSpPr>
-          <p:cNvPr id="215" name="Google Shape;215;p24"/>
+          <p:cNvPr id="216" name="Google Shape;216;p24"/>
           <p:cNvSpPr txBox="1"/>
           <p:nvPr/>
         </p:nvSpPr>
@@ -11671,7 +11671,7 @@
       </p:sp>
       <p:sp>
         <p:nvSpPr>
-          <p:cNvPr id="216" name="Google Shape;216;p24"/>
+          <p:cNvPr id="217" name="Google Shape;217;p24"/>
           <p:cNvSpPr txBox="1"/>
           <p:nvPr/>
         </p:nvSpPr>
@@ -11740,7 +11740,7 @@
   <p:cSld>
     <p:spTree>
       <p:nvGrpSpPr>
-        <p:cNvPr id="220" name="Shape 220"/>
+        <p:cNvPr id="221" name="Shape 221"/>
         <p:cNvGrpSpPr/>
         <p:nvPr/>
       </p:nvGrpSpPr>
@@ -11754,7 +11754,7 @@
       </p:grpSpPr>
       <p:sp>
         <p:nvSpPr>
-          <p:cNvPr id="221" name="Google Shape;221;p25"/>
+          <p:cNvPr id="222" name="Google Shape;222;p25"/>
           <p:cNvSpPr/>
           <p:nvPr/>
         </p:nvSpPr>
@@ -11805,7 +11805,7 @@
       </p:sp>
       <p:sp>
         <p:nvSpPr>
-          <p:cNvPr id="222" name="Google Shape;222;p25"/>
+          <p:cNvPr id="223" name="Google Shape;223;p25"/>
           <p:cNvSpPr/>
           <p:nvPr/>
         </p:nvSpPr>
@@ -11860,7 +11860,7 @@
       </p:sp>
       <p:sp>
         <p:nvSpPr>
-          <p:cNvPr id="223" name="Google Shape;223;p25"/>
+          <p:cNvPr id="224" name="Google Shape;224;p25"/>
           <p:cNvSpPr txBox="1"/>
           <p:nvPr/>
         </p:nvSpPr>
@@ -11918,7 +11918,7 @@
       </p:sp>
       <p:sp>
         <p:nvSpPr>
-          <p:cNvPr id="224" name="Google Shape;224;p25"/>
+          <p:cNvPr id="225" name="Google Shape;225;p25"/>
           <p:cNvSpPr txBox="1"/>
           <p:nvPr/>
         </p:nvSpPr>
@@ -11967,7 +11967,7 @@
       </p:sp>
       <p:sp>
         <p:nvSpPr>
-          <p:cNvPr id="225" name="Google Shape;225;p25"/>
+          <p:cNvPr id="226" name="Google Shape;226;p25"/>
           <p:cNvSpPr txBox="1"/>
           <p:nvPr/>
         </p:nvSpPr>
@@ -12016,7 +12016,7 @@
       </p:sp>
       <p:pic>
         <p:nvPicPr>
-          <p:cNvPr id="226" name="Google Shape;226;p25"/>
+          <p:cNvPr id="227" name="Google Shape;227;p25"/>
           <p:cNvPicPr preferRelativeResize="0"/>
           <p:nvPr/>
         </p:nvPicPr>
@@ -12044,7 +12044,7 @@
       </p:pic>
       <p:sp>
         <p:nvSpPr>
-          <p:cNvPr id="227" name="Google Shape;227;p25"/>
+          <p:cNvPr id="228" name="Google Shape;228;p25"/>
           <p:cNvSpPr txBox="1"/>
           <p:nvPr/>
         </p:nvSpPr>
@@ -12174,7 +12174,7 @@
       </p:sp>
       <p:sp>
         <p:nvSpPr>
-          <p:cNvPr id="228" name="Google Shape;228;p25"/>
+          <p:cNvPr id="229" name="Google Shape;229;p25"/>
           <p:cNvSpPr txBox="1"/>
           <p:nvPr/>
         </p:nvSpPr>
@@ -12243,7 +12243,7 @@
   <p:cSld>
     <p:spTree>
       <p:nvGrpSpPr>
-        <p:cNvPr id="232" name="Shape 232"/>
+        <p:cNvPr id="233" name="Shape 233"/>
         <p:cNvGrpSpPr/>
         <p:nvPr/>
       </p:nvGrpSpPr>
@@ -12257,7 +12257,7 @@
       </p:grpSpPr>
       <p:sp>
         <p:nvSpPr>
-          <p:cNvPr id="233" name="Google Shape;233;p26"/>
+          <p:cNvPr id="234" name="Google Shape;234;p26"/>
           <p:cNvSpPr/>
           <p:nvPr/>
         </p:nvSpPr>
@@ -12308,7 +12308,7 @@
       </p:sp>
       <p:sp>
         <p:nvSpPr>
-          <p:cNvPr id="234" name="Google Shape;234;p26"/>
+          <p:cNvPr id="235" name="Google Shape;235;p26"/>
           <p:cNvSpPr/>
           <p:nvPr/>
         </p:nvSpPr>
@@ -12359,7 +12359,7 @@
       </p:sp>
       <p:sp>
         <p:nvSpPr>
-          <p:cNvPr id="235" name="Google Shape;235;p26"/>
+          <p:cNvPr id="236" name="Google Shape;236;p26"/>
           <p:cNvSpPr txBox="1"/>
           <p:nvPr/>
         </p:nvSpPr>
@@ -12417,7 +12417,7 @@
       </p:sp>
       <p:sp>
         <p:nvSpPr>
-          <p:cNvPr id="236" name="Google Shape;236;p26"/>
+          <p:cNvPr id="237" name="Google Shape;237;p26"/>
           <p:cNvSpPr txBox="1"/>
           <p:nvPr/>
         </p:nvSpPr>
@@ -12463,7 +12463,7 @@
       </p:sp>
       <p:sp>
         <p:nvSpPr>
-          <p:cNvPr id="237" name="Google Shape;237;p26"/>
+          <p:cNvPr id="238" name="Google Shape;238;p26"/>
           <p:cNvSpPr txBox="1"/>
           <p:nvPr/>
         </p:nvSpPr>
@@ -12505,7 +12505,7 @@
                 <a:cs typeface="Merriweather"/>
                 <a:sym typeface="Merriweather"/>
               </a:rPr>
-              <a:t>The very nature of this data has a significant amount of inbuilt baise. The very word “Derogatory”, unless entailing criminal conviction, is subject, it means different things to different people. As witnessed by the graph, analysis has no real correlation and all over the place.</a:t>
+              <a:t>The very nature of this data has a significant amount of inbuilt baise. The very word “Derogatory”, unless entailing criminal conviction, is subjective, it means different things to different people. As witnessed by the graph, analysis has no real correlation and all over the place.</a:t>
             </a:r>
             <a:endParaRPr sz="1600">
               <a:solidFill>
@@ -12599,7 +12599,7 @@
       </p:sp>
       <p:pic>
         <p:nvPicPr>
-          <p:cNvPr id="238" name="Google Shape;238;p26"/>
+          <p:cNvPr id="239" name="Google Shape;239;p26"/>
           <p:cNvPicPr preferRelativeResize="0"/>
           <p:nvPr/>
         </p:nvPicPr>
@@ -12627,7 +12627,7 @@
       </p:pic>
       <p:sp>
         <p:nvSpPr>
-          <p:cNvPr id="239" name="Google Shape;239;p26"/>
+          <p:cNvPr id="240" name="Google Shape;240;p26"/>
           <p:cNvSpPr txBox="1"/>
           <p:nvPr/>
         </p:nvSpPr>
@@ -12696,7 +12696,7 @@
   <p:cSld>
     <p:spTree>
       <p:nvGrpSpPr>
-        <p:cNvPr id="243" name="Shape 243"/>
+        <p:cNvPr id="244" name="Shape 244"/>
         <p:cNvGrpSpPr/>
         <p:nvPr/>
       </p:nvGrpSpPr>
@@ -12710,7 +12710,7 @@
       </p:grpSpPr>
       <p:sp>
         <p:nvSpPr>
-          <p:cNvPr id="244" name="Google Shape;244;p27"/>
+          <p:cNvPr id="245" name="Google Shape;245;p27"/>
           <p:cNvSpPr/>
           <p:nvPr/>
         </p:nvSpPr>
@@ -12761,7 +12761,7 @@
       </p:sp>
       <p:sp>
         <p:nvSpPr>
-          <p:cNvPr id="245" name="Google Shape;245;p27"/>
+          <p:cNvPr id="246" name="Google Shape;246;p27"/>
           <p:cNvSpPr/>
           <p:nvPr/>
         </p:nvSpPr>
@@ -12816,7 +12816,7 @@
       </p:sp>
       <p:sp>
         <p:nvSpPr>
-          <p:cNvPr id="246" name="Google Shape;246;p27"/>
+          <p:cNvPr id="247" name="Google Shape;247;p27"/>
           <p:cNvSpPr txBox="1"/>
           <p:nvPr/>
         </p:nvSpPr>
@@ -12874,7 +12874,7 @@
       </p:sp>
       <p:sp>
         <p:nvSpPr>
-          <p:cNvPr id="247" name="Google Shape;247;p27"/>
+          <p:cNvPr id="248" name="Google Shape;248;p27"/>
           <p:cNvSpPr txBox="1"/>
           <p:nvPr/>
         </p:nvSpPr>
@@ -12923,7 +12923,7 @@
       </p:sp>
       <p:sp>
         <p:nvSpPr>
-          <p:cNvPr id="248" name="Google Shape;248;p27"/>
+          <p:cNvPr id="249" name="Google Shape;249;p27"/>
           <p:cNvSpPr txBox="1"/>
           <p:nvPr/>
         </p:nvSpPr>
@@ -12972,7 +12972,7 @@
       </p:sp>
       <p:sp>
         <p:nvSpPr>
-          <p:cNvPr id="249" name="Google Shape;249;p27"/>
+          <p:cNvPr id="250" name="Google Shape;250;p27"/>
           <p:cNvSpPr txBox="1"/>
           <p:nvPr/>
         </p:nvSpPr>
@@ -13109,7 +13109,7 @@
       </p:sp>
       <p:pic>
         <p:nvPicPr>
-          <p:cNvPr id="250" name="Google Shape;250;p27"/>
+          <p:cNvPr id="251" name="Google Shape;251;p27"/>
           <p:cNvPicPr preferRelativeResize="0"/>
           <p:nvPr/>
         </p:nvPicPr>
@@ -13137,7 +13137,7 @@
       </p:pic>
       <p:sp>
         <p:nvSpPr>
-          <p:cNvPr id="251" name="Google Shape;251;p27"/>
+          <p:cNvPr id="252" name="Google Shape;252;p27"/>
           <p:cNvSpPr txBox="1"/>
           <p:nvPr/>
         </p:nvSpPr>
@@ -13206,7 +13206,7 @@
   <p:cSld>
     <p:spTree>
       <p:nvGrpSpPr>
-        <p:cNvPr id="255" name="Shape 255"/>
+        <p:cNvPr id="256" name="Shape 256"/>
         <p:cNvGrpSpPr/>
         <p:nvPr/>
       </p:nvGrpSpPr>
@@ -13220,7 +13220,7 @@
       </p:grpSpPr>
       <p:sp>
         <p:nvSpPr>
-          <p:cNvPr id="256" name="Google Shape;256;p28"/>
+          <p:cNvPr id="257" name="Google Shape;257;p28"/>
           <p:cNvSpPr/>
           <p:nvPr/>
         </p:nvSpPr>
@@ -13271,7 +13271,7 @@
       </p:sp>
       <p:sp>
         <p:nvSpPr>
-          <p:cNvPr id="257" name="Google Shape;257;p28"/>
+          <p:cNvPr id="258" name="Google Shape;258;p28"/>
           <p:cNvSpPr/>
           <p:nvPr/>
         </p:nvSpPr>
@@ -13322,7 +13322,7 @@
       </p:sp>
       <p:sp>
         <p:nvSpPr>
-          <p:cNvPr id="258" name="Google Shape;258;p28"/>
+          <p:cNvPr id="259" name="Google Shape;259;p28"/>
           <p:cNvSpPr txBox="1"/>
           <p:nvPr/>
         </p:nvSpPr>
@@ -13392,7 +13392,7 @@
       </p:sp>
       <p:sp>
         <p:nvSpPr>
-          <p:cNvPr id="259" name="Google Shape;259;p28"/>
+          <p:cNvPr id="260" name="Google Shape;260;p28"/>
           <p:cNvSpPr txBox="1"/>
           <p:nvPr/>
         </p:nvSpPr>
@@ -13450,7 +13450,7 @@
       </p:sp>
       <p:pic>
         <p:nvPicPr>
-          <p:cNvPr id="260" name="Google Shape;260;p28"/>
+          <p:cNvPr id="261" name="Google Shape;261;p28"/>
           <p:cNvPicPr preferRelativeResize="0"/>
           <p:nvPr/>
         </p:nvPicPr>
@@ -13478,7 +13478,7 @@
       </p:pic>
       <p:sp>
         <p:nvSpPr>
-          <p:cNvPr id="261" name="Google Shape;261;p28"/>
+          <p:cNvPr id="262" name="Google Shape;262;p28"/>
           <p:cNvSpPr txBox="1"/>
           <p:nvPr/>
         </p:nvSpPr>
@@ -13547,7 +13547,7 @@
   <p:cSld>
     <p:spTree>
       <p:nvGrpSpPr>
-        <p:cNvPr id="265" name="Shape 265"/>
+        <p:cNvPr id="266" name="Shape 266"/>
         <p:cNvGrpSpPr/>
         <p:nvPr/>
       </p:nvGrpSpPr>
@@ -13561,7 +13561,7 @@
       </p:grpSpPr>
       <p:sp>
         <p:nvSpPr>
-          <p:cNvPr id="266" name="Google Shape;266;p29"/>
+          <p:cNvPr id="267" name="Google Shape;267;p29"/>
           <p:cNvSpPr/>
           <p:nvPr/>
         </p:nvSpPr>
@@ -13612,7 +13612,7 @@
       </p:sp>
       <p:sp>
         <p:nvSpPr>
-          <p:cNvPr id="267" name="Google Shape;267;p29"/>
+          <p:cNvPr id="268" name="Google Shape;268;p29"/>
           <p:cNvSpPr/>
           <p:nvPr/>
         </p:nvSpPr>
@@ -13667,7 +13667,7 @@
       </p:sp>
       <p:sp>
         <p:nvSpPr>
-          <p:cNvPr id="268" name="Google Shape;268;p29"/>
+          <p:cNvPr id="269" name="Google Shape;269;p29"/>
           <p:cNvSpPr txBox="1"/>
           <p:nvPr/>
         </p:nvSpPr>
@@ -13772,7 +13772,7 @@
       </p:sp>
       <p:sp>
         <p:nvSpPr>
-          <p:cNvPr id="269" name="Google Shape;269;p29"/>
+          <p:cNvPr id="270" name="Google Shape;270;p29"/>
           <p:cNvSpPr txBox="1"/>
           <p:nvPr/>
         </p:nvSpPr>
@@ -13821,7 +13821,7 @@
       </p:sp>
       <p:sp>
         <p:nvSpPr>
-          <p:cNvPr id="270" name="Google Shape;270;p29"/>
+          <p:cNvPr id="271" name="Google Shape;271;p29"/>
           <p:cNvSpPr txBox="1"/>
           <p:nvPr/>
         </p:nvSpPr>
@@ -13870,7 +13870,7 @@
       </p:sp>
       <p:sp>
         <p:nvSpPr>
-          <p:cNvPr id="271" name="Google Shape;271;p29"/>
+          <p:cNvPr id="272" name="Google Shape;272;p29"/>
           <p:cNvSpPr txBox="1"/>
           <p:nvPr/>
         </p:nvSpPr>
@@ -13928,7 +13928,7 @@
       </p:sp>
       <p:pic>
         <p:nvPicPr>
-          <p:cNvPr id="272" name="Google Shape;272;p29"/>
+          <p:cNvPr id="273" name="Google Shape;273;p29"/>
           <p:cNvPicPr preferRelativeResize="0"/>
           <p:nvPr/>
         </p:nvPicPr>
@@ -13956,7 +13956,7 @@
       </p:pic>
       <p:sp>
         <p:nvSpPr>
-          <p:cNvPr id="273" name="Google Shape;273;p29"/>
+          <p:cNvPr id="274" name="Google Shape;274;p29"/>
           <p:cNvSpPr txBox="1"/>
           <p:nvPr/>
         </p:nvSpPr>
@@ -14025,7 +14025,7 @@
   <p:cSld>
     <p:spTree>
       <p:nvGrpSpPr>
-        <p:cNvPr id="277" name="Shape 277"/>
+        <p:cNvPr id="278" name="Shape 278"/>
         <p:cNvGrpSpPr/>
         <p:nvPr/>
       </p:nvGrpSpPr>
@@ -14039,7 +14039,7 @@
       </p:grpSpPr>
       <p:sp>
         <p:nvSpPr>
-          <p:cNvPr id="278" name="Google Shape;278;p30"/>
+          <p:cNvPr id="279" name="Google Shape;279;p30"/>
           <p:cNvSpPr/>
           <p:nvPr/>
         </p:nvSpPr>
@@ -14090,7 +14090,7 @@
       </p:sp>
       <p:sp>
         <p:nvSpPr>
-          <p:cNvPr id="279" name="Google Shape;279;p30"/>
+          <p:cNvPr id="280" name="Google Shape;280;p30"/>
           <p:cNvSpPr/>
           <p:nvPr/>
         </p:nvSpPr>
@@ -14141,7 +14141,7 @@
       </p:sp>
       <p:sp>
         <p:nvSpPr>
-          <p:cNvPr id="280" name="Google Shape;280;p30"/>
+          <p:cNvPr id="281" name="Google Shape;281;p30"/>
           <p:cNvSpPr txBox="1"/>
           <p:nvPr/>
         </p:nvSpPr>
@@ -14223,7 +14223,7 @@
       </p:sp>
       <p:sp>
         <p:nvSpPr>
-          <p:cNvPr id="281" name="Google Shape;281;p30"/>
+          <p:cNvPr id="282" name="Google Shape;282;p30"/>
           <p:cNvSpPr txBox="1"/>
           <p:nvPr/>
         </p:nvSpPr>
@@ -14269,7 +14269,7 @@
       </p:sp>
       <p:pic>
         <p:nvPicPr>
-          <p:cNvPr id="282" name="Google Shape;282;p30"/>
+          <p:cNvPr id="283" name="Google Shape;283;p30"/>
           <p:cNvPicPr preferRelativeResize="0"/>
           <p:nvPr/>
         </p:nvPicPr>
@@ -14297,7 +14297,7 @@
       </p:pic>
       <p:sp>
         <p:nvSpPr>
-          <p:cNvPr id="283" name="Google Shape;283;p30"/>
+          <p:cNvPr id="284" name="Google Shape;284;p30"/>
           <p:cNvSpPr txBox="1"/>
           <p:nvPr/>
         </p:nvSpPr>
@@ -14339,7 +14339,7 @@
                 <a:cs typeface="Merriweather"/>
                 <a:sym typeface="Merriweather"/>
               </a:rPr>
-              <a:t>This isn't a good predictor of charge off rates, because the chart is all over the place. Except for someone with less than 1 year of job experience, this datapoint isn't a good judge for anything. However, approval of loan for someone with less than one year of job experience should be analyse very serious, </a:t>
+              <a:t>This isn't a good predictor of charge off rates, because the chart is all over the place. Except for someone with less than 1 year of job experience, this datapoint isn't a good judge for anything. However, approval of loan for someone with less than one year of job experience should be analysed very serious, </a:t>
             </a:r>
             <a:r>
               <a:rPr i="1" lang="en">
@@ -14379,7 +14379,7 @@
       </p:sp>
       <p:sp>
         <p:nvSpPr>
-          <p:cNvPr id="284" name="Google Shape;284;p30"/>
+          <p:cNvPr id="285" name="Google Shape;285;p30"/>
           <p:cNvSpPr txBox="1"/>
           <p:nvPr/>
         </p:nvSpPr>
@@ -14448,7 +14448,7 @@
   <p:cSld>
     <p:spTree>
       <p:nvGrpSpPr>
-        <p:cNvPr id="288" name="Shape 288"/>
+        <p:cNvPr id="289" name="Shape 289"/>
         <p:cNvGrpSpPr/>
         <p:nvPr/>
       </p:nvGrpSpPr>
@@ -14462,7 +14462,7 @@
       </p:grpSpPr>
       <p:sp>
         <p:nvSpPr>
-          <p:cNvPr id="289" name="Google Shape;289;p31"/>
+          <p:cNvPr id="290" name="Google Shape;290;p31"/>
           <p:cNvSpPr/>
           <p:nvPr/>
         </p:nvSpPr>
@@ -14513,7 +14513,7 @@
       </p:sp>
       <p:sp>
         <p:nvSpPr>
-          <p:cNvPr id="290" name="Google Shape;290;p31"/>
+          <p:cNvPr id="291" name="Google Shape;291;p31"/>
           <p:cNvSpPr/>
           <p:nvPr/>
         </p:nvSpPr>
@@ -14568,7 +14568,7 @@
       </p:sp>
       <p:sp>
         <p:nvSpPr>
-          <p:cNvPr id="291" name="Google Shape;291;p31"/>
+          <p:cNvPr id="292" name="Google Shape;292;p31"/>
           <p:cNvSpPr txBox="1"/>
           <p:nvPr/>
         </p:nvSpPr>
@@ -14649,7 +14649,7 @@
       </p:sp>
       <p:sp>
         <p:nvSpPr>
-          <p:cNvPr id="292" name="Google Shape;292;p31"/>
+          <p:cNvPr id="293" name="Google Shape;293;p31"/>
           <p:cNvSpPr txBox="1"/>
           <p:nvPr/>
         </p:nvSpPr>
@@ -14698,7 +14698,7 @@
       </p:sp>
       <p:sp>
         <p:nvSpPr>
-          <p:cNvPr id="293" name="Google Shape;293;p31"/>
+          <p:cNvPr id="294" name="Google Shape;294;p31"/>
           <p:cNvSpPr txBox="1"/>
           <p:nvPr/>
         </p:nvSpPr>
@@ -14747,7 +14747,7 @@
       </p:sp>
       <p:sp>
         <p:nvSpPr>
-          <p:cNvPr id="294" name="Google Shape;294;p31"/>
+          <p:cNvPr id="295" name="Google Shape;295;p31"/>
           <p:cNvSpPr txBox="1"/>
           <p:nvPr/>
         </p:nvSpPr>
@@ -14796,7 +14796,7 @@
       </p:sp>
       <p:pic>
         <p:nvPicPr>
-          <p:cNvPr id="295" name="Google Shape;295;p31"/>
+          <p:cNvPr id="296" name="Google Shape;296;p31"/>
           <p:cNvPicPr preferRelativeResize="0"/>
           <p:nvPr/>
         </p:nvPicPr>
@@ -14824,7 +14824,7 @@
       </p:pic>
       <p:sp>
         <p:nvSpPr>
-          <p:cNvPr id="296" name="Google Shape;296;p31"/>
+          <p:cNvPr id="297" name="Google Shape;297;p31"/>
           <p:cNvSpPr txBox="1"/>
           <p:nvPr/>
         </p:nvSpPr>
@@ -15683,7 +15683,7 @@
   <p:cSld>
     <p:spTree>
       <p:nvGrpSpPr>
-        <p:cNvPr id="300" name="Shape 300"/>
+        <p:cNvPr id="301" name="Shape 301"/>
         <p:cNvGrpSpPr/>
         <p:nvPr/>
       </p:nvGrpSpPr>
@@ -15697,7 +15697,7 @@
       </p:grpSpPr>
       <p:sp>
         <p:nvSpPr>
-          <p:cNvPr id="301" name="Google Shape;301;p32"/>
+          <p:cNvPr id="302" name="Google Shape;302;p32"/>
           <p:cNvSpPr/>
           <p:nvPr/>
         </p:nvSpPr>
@@ -15748,7 +15748,7 @@
       </p:sp>
       <p:sp>
         <p:nvSpPr>
-          <p:cNvPr id="302" name="Google Shape;302;p32"/>
+          <p:cNvPr id="303" name="Google Shape;303;p32"/>
           <p:cNvSpPr/>
           <p:nvPr/>
         </p:nvSpPr>
@@ -15799,7 +15799,7 @@
       </p:sp>
       <p:sp>
         <p:nvSpPr>
-          <p:cNvPr id="303" name="Google Shape;303;p32"/>
+          <p:cNvPr id="304" name="Google Shape;304;p32"/>
           <p:cNvSpPr txBox="1"/>
           <p:nvPr/>
         </p:nvSpPr>
@@ -15857,7 +15857,7 @@
       </p:sp>
       <p:sp>
         <p:nvSpPr>
-          <p:cNvPr id="304" name="Google Shape;304;p32"/>
+          <p:cNvPr id="305" name="Google Shape;305;p32"/>
           <p:cNvSpPr txBox="1"/>
           <p:nvPr/>
         </p:nvSpPr>
@@ -15903,7 +15903,7 @@
       </p:sp>
       <p:sp>
         <p:nvSpPr>
-          <p:cNvPr id="305" name="Google Shape;305;p32"/>
+          <p:cNvPr id="306" name="Google Shape;306;p32"/>
           <p:cNvSpPr txBox="1"/>
           <p:nvPr/>
         </p:nvSpPr>
@@ -15952,7 +15952,7 @@
       </p:sp>
       <p:pic>
         <p:nvPicPr>
-          <p:cNvPr id="306" name="Google Shape;306;p32"/>
+          <p:cNvPr id="307" name="Google Shape;307;p32"/>
           <p:cNvPicPr preferRelativeResize="0"/>
           <p:nvPr/>
         </p:nvPicPr>
@@ -15980,7 +15980,7 @@
       </p:pic>
       <p:sp>
         <p:nvSpPr>
-          <p:cNvPr id="307" name="Google Shape;307;p32"/>
+          <p:cNvPr id="308" name="Google Shape;308;p32"/>
           <p:cNvSpPr txBox="1"/>
           <p:nvPr/>
         </p:nvSpPr>
@@ -16073,7 +16073,7 @@
   <p:cSld>
     <p:spTree>
       <p:nvGrpSpPr>
-        <p:cNvPr id="311" name="Shape 311"/>
+        <p:cNvPr id="312" name="Shape 312"/>
         <p:cNvGrpSpPr/>
         <p:nvPr/>
       </p:nvGrpSpPr>
@@ -16087,7 +16087,7 @@
       </p:grpSpPr>
       <p:sp>
         <p:nvSpPr>
-          <p:cNvPr id="312" name="Google Shape;312;p33"/>
+          <p:cNvPr id="313" name="Google Shape;313;p33"/>
           <p:cNvSpPr/>
           <p:nvPr/>
         </p:nvSpPr>
@@ -16138,7 +16138,7 @@
       </p:sp>
       <p:sp>
         <p:nvSpPr>
-          <p:cNvPr id="313" name="Google Shape;313;p33"/>
+          <p:cNvPr id="314" name="Google Shape;314;p33"/>
           <p:cNvSpPr/>
           <p:nvPr/>
         </p:nvSpPr>
@@ -16193,7 +16193,7 @@
       </p:sp>
       <p:sp>
         <p:nvSpPr>
-          <p:cNvPr id="314" name="Google Shape;314;p33"/>
+          <p:cNvPr id="315" name="Google Shape;315;p33"/>
           <p:cNvSpPr txBox="1"/>
           <p:nvPr/>
         </p:nvSpPr>
@@ -16274,7 +16274,7 @@
       </p:sp>
       <p:sp>
         <p:nvSpPr>
-          <p:cNvPr id="315" name="Google Shape;315;p33"/>
+          <p:cNvPr id="316" name="Google Shape;316;p33"/>
           <p:cNvSpPr txBox="1"/>
           <p:nvPr/>
         </p:nvSpPr>
@@ -16323,7 +16323,7 @@
       </p:sp>
       <p:sp>
         <p:nvSpPr>
-          <p:cNvPr id="316" name="Google Shape;316;p33"/>
+          <p:cNvPr id="317" name="Google Shape;317;p33"/>
           <p:cNvSpPr txBox="1"/>
           <p:nvPr/>
         </p:nvSpPr>
@@ -16372,7 +16372,7 @@
       </p:sp>
       <p:pic>
         <p:nvPicPr>
-          <p:cNvPr id="317" name="Google Shape;317;p33"/>
+          <p:cNvPr id="318" name="Google Shape;318;p33"/>
           <p:cNvPicPr preferRelativeResize="0"/>
           <p:nvPr/>
         </p:nvPicPr>
@@ -16400,7 +16400,7 @@
       </p:pic>
       <p:sp>
         <p:nvSpPr>
-          <p:cNvPr id="318" name="Google Shape;318;p33"/>
+          <p:cNvPr id="319" name="Google Shape;319;p33"/>
           <p:cNvSpPr txBox="1"/>
           <p:nvPr/>
         </p:nvSpPr>
@@ -16469,7 +16469,7 @@
   <p:cSld>
     <p:spTree>
       <p:nvGrpSpPr>
-        <p:cNvPr id="322" name="Shape 322"/>
+        <p:cNvPr id="323" name="Shape 323"/>
         <p:cNvGrpSpPr/>
         <p:nvPr/>
       </p:nvGrpSpPr>
@@ -16483,7 +16483,7 @@
       </p:grpSpPr>
       <p:sp>
         <p:nvSpPr>
-          <p:cNvPr id="323" name="Google Shape;323;p34"/>
+          <p:cNvPr id="324" name="Google Shape;324;p34"/>
           <p:cNvSpPr/>
           <p:nvPr/>
         </p:nvSpPr>
@@ -16534,7 +16534,7 @@
       </p:sp>
       <p:sp>
         <p:nvSpPr>
-          <p:cNvPr id="324" name="Google Shape;324;p34"/>
+          <p:cNvPr id="325" name="Google Shape;325;p34"/>
           <p:cNvSpPr/>
           <p:nvPr/>
         </p:nvSpPr>
@@ -16585,7 +16585,7 @@
       </p:sp>
       <p:sp>
         <p:nvSpPr>
-          <p:cNvPr id="325" name="Google Shape;325;p34"/>
+          <p:cNvPr id="326" name="Google Shape;326;p34"/>
           <p:cNvSpPr txBox="1"/>
           <p:nvPr/>
         </p:nvSpPr>
@@ -16643,7 +16643,7 @@
       </p:sp>
       <p:sp>
         <p:nvSpPr>
-          <p:cNvPr id="326" name="Google Shape;326;p34"/>
+          <p:cNvPr id="327" name="Google Shape;327;p34"/>
           <p:cNvSpPr txBox="1"/>
           <p:nvPr/>
         </p:nvSpPr>
@@ -16689,7 +16689,7 @@
       </p:sp>
       <p:sp>
         <p:nvSpPr>
-          <p:cNvPr id="327" name="Google Shape;327;p34"/>
+          <p:cNvPr id="328" name="Google Shape;328;p34"/>
           <p:cNvSpPr txBox="1"/>
           <p:nvPr/>
         </p:nvSpPr>
@@ -16738,7 +16738,7 @@
       </p:sp>
       <p:pic>
         <p:nvPicPr>
-          <p:cNvPr id="328" name="Google Shape;328;p34"/>
+          <p:cNvPr id="329" name="Google Shape;329;p34"/>
           <p:cNvPicPr preferRelativeResize="0"/>
           <p:nvPr/>
         </p:nvPicPr>
@@ -16766,7 +16766,7 @@
       </p:pic>
       <p:sp>
         <p:nvSpPr>
-          <p:cNvPr id="329" name="Google Shape;329;p34"/>
+          <p:cNvPr id="330" name="Google Shape;330;p34"/>
           <p:cNvSpPr txBox="1"/>
           <p:nvPr/>
         </p:nvSpPr>
@@ -16847,7 +16847,7 @@
   <p:cSld>
     <p:spTree>
       <p:nvGrpSpPr>
-        <p:cNvPr id="333" name="Shape 333"/>
+        <p:cNvPr id="334" name="Shape 334"/>
         <p:cNvGrpSpPr/>
         <p:nvPr/>
       </p:nvGrpSpPr>
@@ -16861,7 +16861,7 @@
       </p:grpSpPr>
       <p:sp>
         <p:nvSpPr>
-          <p:cNvPr id="334" name="Google Shape;334;p35"/>
+          <p:cNvPr id="335" name="Google Shape;335;p35"/>
           <p:cNvSpPr/>
           <p:nvPr/>
         </p:nvSpPr>
@@ -16912,7 +16912,7 @@
       </p:sp>
       <p:sp>
         <p:nvSpPr>
-          <p:cNvPr id="335" name="Google Shape;335;p35"/>
+          <p:cNvPr id="336" name="Google Shape;336;p35"/>
           <p:cNvSpPr/>
           <p:nvPr/>
         </p:nvSpPr>
@@ -16967,7 +16967,7 @@
       </p:sp>
       <p:sp>
         <p:nvSpPr>
-          <p:cNvPr id="336" name="Google Shape;336;p35"/>
+          <p:cNvPr id="337" name="Google Shape;337;p35"/>
           <p:cNvSpPr txBox="1"/>
           <p:nvPr/>
         </p:nvSpPr>
@@ -17048,7 +17048,7 @@
       </p:sp>
       <p:sp>
         <p:nvSpPr>
-          <p:cNvPr id="337" name="Google Shape;337;p35"/>
+          <p:cNvPr id="338" name="Google Shape;338;p35"/>
           <p:cNvSpPr txBox="1"/>
           <p:nvPr/>
         </p:nvSpPr>
@@ -17097,7 +17097,7 @@
       </p:sp>
       <p:sp>
         <p:nvSpPr>
-          <p:cNvPr id="338" name="Google Shape;338;p35"/>
+          <p:cNvPr id="339" name="Google Shape;339;p35"/>
           <p:cNvSpPr txBox="1"/>
           <p:nvPr/>
         </p:nvSpPr>
@@ -17146,7 +17146,7 @@
       </p:sp>
       <p:sp>
         <p:nvSpPr>
-          <p:cNvPr id="339" name="Google Shape;339;p35"/>
+          <p:cNvPr id="340" name="Google Shape;340;p35"/>
           <p:cNvSpPr txBox="1"/>
           <p:nvPr/>
         </p:nvSpPr>
@@ -17195,7 +17195,7 @@
       </p:sp>
       <p:pic>
         <p:nvPicPr>
-          <p:cNvPr id="340" name="Google Shape;340;p35"/>
+          <p:cNvPr id="341" name="Google Shape;341;p35"/>
           <p:cNvPicPr preferRelativeResize="0"/>
           <p:nvPr/>
         </p:nvPicPr>
@@ -17223,7 +17223,7 @@
       </p:pic>
       <p:sp>
         <p:nvSpPr>
-          <p:cNvPr id="341" name="Google Shape;341;p35"/>
+          <p:cNvPr id="342" name="Google Shape;342;p35"/>
           <p:cNvSpPr txBox="1"/>
           <p:nvPr/>
         </p:nvSpPr>
@@ -17316,7 +17316,7 @@
   <p:cSld>
     <p:spTree>
       <p:nvGrpSpPr>
-        <p:cNvPr id="345" name="Shape 345"/>
+        <p:cNvPr id="346" name="Shape 346"/>
         <p:cNvGrpSpPr/>
         <p:nvPr/>
       </p:nvGrpSpPr>
@@ -17330,7 +17330,7 @@
       </p:grpSpPr>
       <p:sp>
         <p:nvSpPr>
-          <p:cNvPr id="346" name="Google Shape;346;p36"/>
+          <p:cNvPr id="347" name="Google Shape;347;p36"/>
           <p:cNvSpPr/>
           <p:nvPr/>
         </p:nvSpPr>
@@ -17381,7 +17381,7 @@
       </p:sp>
       <p:sp>
         <p:nvSpPr>
-          <p:cNvPr id="347" name="Google Shape;347;p36"/>
+          <p:cNvPr id="348" name="Google Shape;348;p36"/>
           <p:cNvSpPr/>
           <p:nvPr/>
         </p:nvSpPr>
@@ -17432,7 +17432,7 @@
       </p:sp>
       <p:sp>
         <p:nvSpPr>
-          <p:cNvPr id="348" name="Google Shape;348;p36"/>
+          <p:cNvPr id="349" name="Google Shape;349;p36"/>
           <p:cNvSpPr txBox="1"/>
           <p:nvPr/>
         </p:nvSpPr>
@@ -17490,7 +17490,7 @@
       </p:sp>
       <p:sp>
         <p:nvSpPr>
-          <p:cNvPr id="349" name="Google Shape;349;p36"/>
+          <p:cNvPr id="350" name="Google Shape;350;p36"/>
           <p:cNvSpPr txBox="1"/>
           <p:nvPr/>
         </p:nvSpPr>
@@ -17536,7 +17536,7 @@
       </p:sp>
       <p:sp>
         <p:nvSpPr>
-          <p:cNvPr id="350" name="Google Shape;350;p36"/>
+          <p:cNvPr id="351" name="Google Shape;351;p36"/>
           <p:cNvSpPr txBox="1"/>
           <p:nvPr/>
         </p:nvSpPr>
@@ -17585,7 +17585,7 @@
       </p:sp>
       <p:sp>
         <p:nvSpPr>
-          <p:cNvPr id="351" name="Google Shape;351;p36"/>
+          <p:cNvPr id="352" name="Google Shape;352;p36"/>
           <p:cNvSpPr txBox="1"/>
           <p:nvPr/>
         </p:nvSpPr>
@@ -17643,7 +17643,7 @@
       </p:sp>
       <p:pic>
         <p:nvPicPr>
-          <p:cNvPr id="352" name="Google Shape;352;p36"/>
+          <p:cNvPr id="353" name="Google Shape;353;p36"/>
           <p:cNvPicPr preferRelativeResize="0"/>
           <p:nvPr/>
         </p:nvPicPr>
@@ -17682,7 +17682,7 @@
   <p:cSld>
     <p:spTree>
       <p:nvGrpSpPr>
-        <p:cNvPr id="356" name="Shape 356"/>
+        <p:cNvPr id="357" name="Shape 357"/>
         <p:cNvGrpSpPr/>
         <p:nvPr/>
       </p:nvGrpSpPr>
@@ -17696,7 +17696,7 @@
       </p:grpSpPr>
       <p:sp>
         <p:nvSpPr>
-          <p:cNvPr id="357" name="Google Shape;357;p37"/>
+          <p:cNvPr id="358" name="Google Shape;358;p37"/>
           <p:cNvSpPr/>
           <p:nvPr/>
         </p:nvSpPr>
@@ -17747,7 +17747,7 @@
       </p:sp>
       <p:sp>
         <p:nvSpPr>
-          <p:cNvPr id="358" name="Google Shape;358;p37"/>
+          <p:cNvPr id="359" name="Google Shape;359;p37"/>
           <p:cNvSpPr/>
           <p:nvPr/>
         </p:nvSpPr>
@@ -17802,7 +17802,7 @@
       </p:sp>
       <p:sp>
         <p:nvSpPr>
-          <p:cNvPr id="359" name="Google Shape;359;p37"/>
+          <p:cNvPr id="360" name="Google Shape;360;p37"/>
           <p:cNvSpPr txBox="1"/>
           <p:nvPr/>
         </p:nvSpPr>
@@ -17907,7 +17907,7 @@
       </p:sp>
       <p:sp>
         <p:nvSpPr>
-          <p:cNvPr id="360" name="Google Shape;360;p37"/>
+          <p:cNvPr id="361" name="Google Shape;361;p37"/>
           <p:cNvSpPr txBox="1"/>
           <p:nvPr/>
         </p:nvSpPr>
@@ -17956,7 +17956,7 @@
       </p:sp>
       <p:sp>
         <p:nvSpPr>
-          <p:cNvPr id="361" name="Google Shape;361;p37"/>
+          <p:cNvPr id="362" name="Google Shape;362;p37"/>
           <p:cNvSpPr txBox="1"/>
           <p:nvPr/>
         </p:nvSpPr>
@@ -18005,7 +18005,7 @@
       </p:sp>
       <p:sp>
         <p:nvSpPr>
-          <p:cNvPr id="362" name="Google Shape;362;p37"/>
+          <p:cNvPr id="363" name="Google Shape;363;p37"/>
           <p:cNvSpPr txBox="1"/>
           <p:nvPr/>
         </p:nvSpPr>
@@ -18054,7 +18054,7 @@
       </p:sp>
       <p:sp>
         <p:nvSpPr>
-          <p:cNvPr id="363" name="Google Shape;363;p37"/>
+          <p:cNvPr id="364" name="Google Shape;364;p37"/>
           <p:cNvSpPr txBox="1"/>
           <p:nvPr/>
         </p:nvSpPr>
@@ -18315,7 +18315,7 @@
       </p:sp>
       <p:pic>
         <p:nvPicPr>
-          <p:cNvPr id="364" name="Google Shape;364;p37"/>
+          <p:cNvPr id="365" name="Google Shape;365;p37"/>
           <p:cNvPicPr preferRelativeResize="0"/>
           <p:nvPr/>
         </p:nvPicPr>
@@ -18354,7 +18354,7 @@
   <p:cSld>
     <p:spTree>
       <p:nvGrpSpPr>
-        <p:cNvPr id="368" name="Shape 368"/>
+        <p:cNvPr id="369" name="Shape 369"/>
         <p:cNvGrpSpPr/>
         <p:nvPr/>
       </p:nvGrpSpPr>
@@ -18368,7 +18368,7 @@
       </p:grpSpPr>
       <p:sp>
         <p:nvSpPr>
-          <p:cNvPr id="369" name="Google Shape;369;p38"/>
+          <p:cNvPr id="370" name="Google Shape;370;p38"/>
           <p:cNvSpPr txBox="1"/>
           <p:nvPr>
             <p:ph type="title"/>
@@ -18408,7 +18408,7 @@
       </p:sp>
       <p:sp>
         <p:nvSpPr>
-          <p:cNvPr id="370" name="Google Shape;370;p38"/>
+          <p:cNvPr id="371" name="Google Shape;371;p38"/>
           <p:cNvSpPr/>
           <p:nvPr/>
         </p:nvSpPr>
@@ -18453,7 +18453,7 @@
       </p:sp>
       <p:sp>
         <p:nvSpPr>
-          <p:cNvPr id="371" name="Google Shape;371;p38"/>
+          <p:cNvPr id="372" name="Google Shape;372;p38"/>
           <p:cNvSpPr txBox="1"/>
           <p:nvPr>
             <p:ph idx="4294967295" type="body"/>
@@ -18504,7 +18504,7 @@
       </p:sp>
       <p:sp>
         <p:nvSpPr>
-          <p:cNvPr id="372" name="Google Shape;372;p38"/>
+          <p:cNvPr id="373" name="Google Shape;373;p38"/>
           <p:cNvSpPr txBox="1"/>
           <p:nvPr>
             <p:ph idx="4294967295" type="body"/>
@@ -18554,7 +18554,7 @@
       </p:sp>
       <p:sp>
         <p:nvSpPr>
-          <p:cNvPr id="373" name="Google Shape;373;p38"/>
+          <p:cNvPr id="374" name="Google Shape;374;p38"/>
           <p:cNvSpPr/>
           <p:nvPr/>
         </p:nvSpPr>
@@ -18599,7 +18599,7 @@
       </p:sp>
       <p:sp>
         <p:nvSpPr>
-          <p:cNvPr id="374" name="Google Shape;374;p38"/>
+          <p:cNvPr id="375" name="Google Shape;375;p38"/>
           <p:cNvSpPr txBox="1"/>
           <p:nvPr>
             <p:ph idx="4294967295" type="body"/>
@@ -18650,7 +18650,7 @@
       </p:sp>
       <p:sp>
         <p:nvSpPr>
-          <p:cNvPr id="375" name="Google Shape;375;p38"/>
+          <p:cNvPr id="376" name="Google Shape;376;p38"/>
           <p:cNvSpPr txBox="1"/>
           <p:nvPr>
             <p:ph idx="4294967295" type="body"/>
@@ -18700,7 +18700,7 @@
       </p:sp>
       <p:sp>
         <p:nvSpPr>
-          <p:cNvPr id="376" name="Google Shape;376;p38"/>
+          <p:cNvPr id="377" name="Google Shape;377;p38"/>
           <p:cNvSpPr/>
           <p:nvPr/>
         </p:nvSpPr>
@@ -18745,7 +18745,7 @@
       </p:sp>
       <p:sp>
         <p:nvSpPr>
-          <p:cNvPr id="377" name="Google Shape;377;p38"/>
+          <p:cNvPr id="378" name="Google Shape;378;p38"/>
           <p:cNvSpPr txBox="1"/>
           <p:nvPr>
             <p:ph idx="4294967295" type="body"/>
@@ -18796,7 +18796,7 @@
       </p:sp>
       <p:sp>
         <p:nvSpPr>
-          <p:cNvPr id="378" name="Google Shape;378;p38"/>
+          <p:cNvPr id="379" name="Google Shape;379;p38"/>
           <p:cNvSpPr txBox="1"/>
           <p:nvPr>
             <p:ph idx="4294967295" type="body"/>
@@ -18846,7 +18846,7 @@
       </p:sp>
       <p:sp>
         <p:nvSpPr>
-          <p:cNvPr id="379" name="Google Shape;379;p38"/>
+          <p:cNvPr id="380" name="Google Shape;380;p38"/>
           <p:cNvSpPr txBox="1"/>
           <p:nvPr/>
         </p:nvSpPr>
@@ -18912,7 +18912,7 @@
   <p:cSld>
     <p:spTree>
       <p:nvGrpSpPr>
-        <p:cNvPr id="383" name="Shape 383"/>
+        <p:cNvPr id="384" name="Shape 384"/>
         <p:cNvGrpSpPr/>
         <p:nvPr/>
       </p:nvGrpSpPr>
@@ -18926,7 +18926,7 @@
       </p:grpSpPr>
       <p:sp>
         <p:nvSpPr>
-          <p:cNvPr id="384" name="Google Shape;384;p39"/>
+          <p:cNvPr id="385" name="Google Shape;385;p39"/>
           <p:cNvSpPr txBox="1"/>
           <p:nvPr>
             <p:ph type="ctrTitle"/>
@@ -18966,7 +18966,7 @@
       </p:sp>
       <p:sp>
         <p:nvSpPr>
-          <p:cNvPr id="385" name="Google Shape;385;p39"/>
+          <p:cNvPr id="386" name="Google Shape;386;p39"/>
           <p:cNvSpPr txBox="1"/>
           <p:nvPr>
             <p:ph idx="1" type="subTitle"/>
@@ -19006,7 +19006,7 @@
       </p:sp>
       <p:sp>
         <p:nvSpPr>
-          <p:cNvPr id="386" name="Google Shape;386;p39"/>
+          <p:cNvPr id="387" name="Google Shape;387;p39"/>
           <p:cNvSpPr txBox="1"/>
           <p:nvPr/>
         </p:nvSpPr>
@@ -19188,7 +19188,7 @@
       </p:sp>
       <p:sp>
         <p:nvSpPr>
-          <p:cNvPr id="387" name="Google Shape;387;p39"/>
+          <p:cNvPr id="388" name="Google Shape;388;p39"/>
           <p:cNvSpPr txBox="1"/>
           <p:nvPr/>
         </p:nvSpPr>
@@ -19246,7 +19246,7 @@
       </p:sp>
       <p:sp>
         <p:nvSpPr>
-          <p:cNvPr id="388" name="Google Shape;388;p39"/>
+          <p:cNvPr id="389" name="Google Shape;389;p39"/>
           <p:cNvSpPr txBox="1"/>
           <p:nvPr/>
         </p:nvSpPr>
@@ -19391,7 +19391,7 @@
       </p:sp>
       <p:sp>
         <p:nvSpPr>
-          <p:cNvPr id="389" name="Google Shape;389;p39"/>
+          <p:cNvPr id="390" name="Google Shape;390;p39"/>
           <p:cNvSpPr txBox="1"/>
           <p:nvPr>
             <p:ph type="ctrTitle"/>
@@ -19928,7 +19928,31 @@
                 <a:cs typeface="Merriweather Black"/>
                 <a:sym typeface="Merriweather Black"/>
               </a:rPr>
-              <a:t>Take a deep breath, lets dive in…</a:t>
+              <a:t>Take a deep breath, </a:t>
+            </a:r>
+            <a:r>
+              <a:rPr i="1" lang="en" sz="1900">
+                <a:solidFill>
+                  <a:srgbClr val="D4D4D4"/>
+                </a:solidFill>
+                <a:latin typeface="Merriweather Black"/>
+                <a:ea typeface="Merriweather Black"/>
+                <a:cs typeface="Merriweather Black"/>
+                <a:sym typeface="Merriweather Black"/>
+              </a:rPr>
+              <a:t>let's</a:t>
+            </a:r>
+            <a:r>
+              <a:rPr i="1" lang="en" sz="1900">
+                <a:solidFill>
+                  <a:srgbClr val="D4D4D4"/>
+                </a:solidFill>
+                <a:latin typeface="Merriweather Black"/>
+                <a:ea typeface="Merriweather Black"/>
+                <a:cs typeface="Merriweather Black"/>
+                <a:sym typeface="Merriweather Black"/>
+              </a:rPr>
+              <a:t> dive in…</a:t>
             </a:r>
             <a:endParaRPr>
               <a:solidFill>
@@ -20119,7 +20143,7 @@
             <a:tbl>
               <a:tblPr>
                 <a:noFill/>
-                <a:tableStyleId>{0817DD9E-F0BC-42CC-B5E9-BB859D686034}</a:tableStyleId>
+                <a:tableStyleId>{CB1CD021-A1C8-4BA7-9682-76A5B71B62E7}</a:tableStyleId>
               </a:tblPr>
               <a:tblGrid>
                 <a:gridCol w="1498400"/>
@@ -20422,8 +20446,8 @@
         </p:nvSpPr>
         <p:spPr>
           <a:xfrm>
-            <a:off x="75" y="0"/>
-            <a:ext cx="9144000" cy="894600"/>
+            <a:off x="32825" y="4523850"/>
+            <a:ext cx="9144000" cy="619800"/>
           </a:xfrm>
           <a:prstGeom prst="roundRect">
             <a:avLst>
@@ -20473,6 +20497,57 @@
         </p:nvSpPr>
         <p:spPr>
           <a:xfrm>
+            <a:off x="75" y="0"/>
+            <a:ext cx="9144000" cy="894600"/>
+          </a:xfrm>
+          <a:prstGeom prst="roundRect">
+            <a:avLst>
+              <a:gd fmla="val 16667" name="adj"/>
+            </a:avLst>
+          </a:prstGeom>
+          <a:solidFill>
+            <a:schemeClr val="dk1"/>
+          </a:solidFill>
+          <a:ln cap="flat" cmpd="sng" w="9525">
+            <a:solidFill>
+              <a:schemeClr val="dk1"/>
+            </a:solidFill>
+            <a:prstDash val="solid"/>
+            <a:round/>
+            <a:headEnd len="sm" w="sm" type="none"/>
+            <a:tailEnd len="sm" w="sm" type="none"/>
+          </a:ln>
+        </p:spPr>
+        <p:txBody>
+          <a:bodyPr anchorCtr="0" anchor="ctr" bIns="91425" lIns="91425" spcFirstLastPara="1" rIns="91425" wrap="square" tIns="91425">
+            <a:noAutofit/>
+          </a:bodyPr>
+          <a:lstStyle/>
+          <a:p>
+            <a:pPr indent="0" lvl="0" marL="0" rtl="0" algn="l">
+              <a:spcBef>
+                <a:spcPts val="0"/>
+              </a:spcBef>
+              <a:spcAft>
+                <a:spcPts val="0"/>
+              </a:spcAft>
+              <a:buNone/>
+            </a:pPr>
+            <a:r>
+              <a:t/>
+            </a:r>
+            <a:endParaRPr/>
+          </a:p>
+        </p:txBody>
+      </p:sp>
+      <p:sp>
+        <p:nvSpPr>
+          <p:cNvPr id="133" name="Google Shape;133;p17"/>
+          <p:cNvSpPr/>
+          <p:nvPr/>
+        </p:nvSpPr>
+        <p:spPr>
+          <a:xfrm>
             <a:off x="10626" y="0"/>
             <a:ext cx="3162600" cy="5143500"/>
           </a:xfrm>
@@ -20522,7 +20597,7 @@
       </p:sp>
       <p:pic>
         <p:nvPicPr>
-          <p:cNvPr id="133" name="Google Shape;133;p17"/>
+          <p:cNvPr id="134" name="Google Shape;134;p17"/>
           <p:cNvPicPr preferRelativeResize="0"/>
           <p:nvPr/>
         </p:nvPicPr>
@@ -20550,7 +20625,7 @@
       </p:pic>
       <p:sp>
         <p:nvSpPr>
-          <p:cNvPr id="134" name="Google Shape;134;p17"/>
+          <p:cNvPr id="135" name="Google Shape;135;p17"/>
           <p:cNvSpPr txBox="1"/>
           <p:nvPr/>
         </p:nvSpPr>
@@ -20608,14 +20683,14 @@
       </p:sp>
       <p:sp>
         <p:nvSpPr>
-          <p:cNvPr id="135" name="Google Shape;135;p17"/>
+          <p:cNvPr id="136" name="Google Shape;136;p17"/>
           <p:cNvSpPr txBox="1"/>
           <p:nvPr/>
         </p:nvSpPr>
         <p:spPr>
           <a:xfrm>
             <a:off x="32825" y="819300"/>
-            <a:ext cx="3095100" cy="1169700"/>
+            <a:ext cx="3095100" cy="1077300"/>
           </a:xfrm>
           <a:prstGeom prst="rect">
             <a:avLst/>
@@ -20641,7 +20716,7 @@
               <a:buNone/>
             </a:pPr>
             <a:r>
-              <a:rPr i="1" lang="en" sz="1600">
+              <a:rPr i="1" lang="en">
                 <a:solidFill>
                   <a:schemeClr val="lt1"/>
                 </a:solidFill>
@@ -20650,7 +20725,19 @@
                 <a:cs typeface="Merriweather"/>
                 <a:sym typeface="Merriweather"/>
               </a:rPr>
-              <a:t>Loans For Paying Off Other Liabilities Like Credit Card and other types of consolidation have a high charge-off rate. </a:t>
+              <a:t>Loans For Paying Off Other Liabilities Like Credit Card and other types of consolidation have a high charge-off rate.</a:t>
+            </a:r>
+            <a:r>
+              <a:rPr i="1" lang="en" sz="1600">
+                <a:solidFill>
+                  <a:schemeClr val="lt1"/>
+                </a:solidFill>
+                <a:latin typeface="Merriweather"/>
+                <a:ea typeface="Merriweather"/>
+                <a:cs typeface="Merriweather"/>
+                <a:sym typeface="Merriweather"/>
+              </a:rPr>
+              <a:t> </a:t>
             </a:r>
             <a:endParaRPr i="1" sz="1600">
               <a:solidFill>
@@ -20666,14 +20753,14 @@
       </p:sp>
       <p:sp>
         <p:nvSpPr>
-          <p:cNvPr id="136" name="Google Shape;136;p17"/>
+          <p:cNvPr id="137" name="Google Shape;137;p17"/>
           <p:cNvSpPr txBox="1"/>
           <p:nvPr/>
         </p:nvSpPr>
         <p:spPr>
           <a:xfrm>
-            <a:off x="10625" y="1897825"/>
-            <a:ext cx="2849400" cy="1046700"/>
+            <a:off x="10625" y="1740700"/>
+            <a:ext cx="2849400" cy="954300"/>
           </a:xfrm>
           <a:prstGeom prst="rect">
             <a:avLst/>
@@ -20699,14 +20786,14 @@
               <a:buNone/>
             </a:pPr>
             <a:r>
-              <a:rPr i="1" lang="en">
+              <a:rPr i="1" lang="en" sz="1200">
                 <a:solidFill>
                   <a:schemeClr val="lt1"/>
                 </a:solidFill>
               </a:rPr>
               <a:t>Yet, at the same time, they form the majority of loan applications with lending club.</a:t>
             </a:r>
-            <a:endParaRPr i="1">
+            <a:endParaRPr i="1" sz="1200">
               <a:solidFill>
                 <a:schemeClr val="lt1"/>
               </a:solidFill>
@@ -20726,424 +20813,6 @@
               <a:t/>
             </a:r>
             <a:endParaRPr i="1">
-              <a:latin typeface="Roboto"/>
-              <a:ea typeface="Roboto"/>
-              <a:cs typeface="Roboto"/>
-              <a:sym typeface="Roboto"/>
-            </a:endParaRPr>
-          </a:p>
-        </p:txBody>
-      </p:sp>
-      <p:sp>
-        <p:nvSpPr>
-          <p:cNvPr id="137" name="Google Shape;137;p17"/>
-          <p:cNvSpPr txBox="1"/>
-          <p:nvPr/>
-        </p:nvSpPr>
-        <p:spPr>
-          <a:xfrm>
-            <a:off x="155675" y="2681950"/>
-            <a:ext cx="2914200" cy="1693200"/>
-          </a:xfrm>
-          <a:prstGeom prst="rect">
-            <a:avLst/>
-          </a:prstGeom>
-          <a:noFill/>
-          <a:ln>
-            <a:noFill/>
-          </a:ln>
-        </p:spPr>
-        <p:txBody>
-          <a:bodyPr anchorCtr="0" anchor="t" bIns="91425" lIns="91425" spcFirstLastPara="1" rIns="91425" wrap="square" tIns="91425">
-            <a:spAutoFit/>
-          </a:bodyPr>
-          <a:lstStyle/>
-          <a:p>
-            <a:pPr indent="0" lvl="0" marL="0" rtl="0" algn="l">
-              <a:spcBef>
-                <a:spcPts val="0"/>
-              </a:spcBef>
-              <a:spcAft>
-                <a:spcPts val="0"/>
-              </a:spcAft>
-              <a:buNone/>
-            </a:pPr>
-            <a:r>
-              <a:rPr b="1" lang="en">
-                <a:solidFill>
-                  <a:schemeClr val="lt1"/>
-                </a:solidFill>
-                <a:latin typeface="Roboto"/>
-                <a:ea typeface="Roboto"/>
-                <a:cs typeface="Roboto"/>
-                <a:sym typeface="Roboto"/>
-              </a:rPr>
-              <a:t>Loan Distribution By Purpose</a:t>
-            </a:r>
-            <a:r>
-              <a:rPr b="1" lang="en" u="sng">
-                <a:solidFill>
-                  <a:schemeClr val="lt1"/>
-                </a:solidFill>
-                <a:latin typeface="Roboto"/>
-                <a:ea typeface="Roboto"/>
-                <a:cs typeface="Roboto"/>
-                <a:sym typeface="Roboto"/>
-              </a:rPr>
-              <a:t>:</a:t>
-            </a:r>
-            <a:endParaRPr b="1" u="sng">
-              <a:solidFill>
-                <a:schemeClr val="lt1"/>
-              </a:solidFill>
-              <a:latin typeface="Roboto"/>
-              <a:ea typeface="Roboto"/>
-              <a:cs typeface="Roboto"/>
-              <a:sym typeface="Roboto"/>
-            </a:endParaRPr>
-          </a:p>
-          <a:p>
-            <a:pPr indent="0" lvl="0" marL="0" rtl="0" algn="l">
-              <a:spcBef>
-                <a:spcPts val="0"/>
-              </a:spcBef>
-              <a:spcAft>
-                <a:spcPts val="0"/>
-              </a:spcAft>
-              <a:buNone/>
-            </a:pPr>
-            <a:r>
-              <a:rPr b="1" lang="en">
-                <a:solidFill>
-                  <a:schemeClr val="lt1"/>
-                </a:solidFill>
-                <a:latin typeface="Roboto"/>
-                <a:ea typeface="Roboto"/>
-                <a:cs typeface="Roboto"/>
-                <a:sym typeface="Roboto"/>
-              </a:rPr>
-              <a:t>Major Purchase 		  </a:t>
-            </a:r>
-            <a:r>
-              <a:rPr lang="en">
-                <a:solidFill>
-                  <a:schemeClr val="lt1"/>
-                </a:solidFill>
-                <a:latin typeface="Roboto"/>
-                <a:ea typeface="Roboto"/>
-                <a:cs typeface="Roboto"/>
-                <a:sym typeface="Roboto"/>
-              </a:rPr>
-              <a:t> </a:t>
-            </a:r>
-            <a:r>
-              <a:rPr lang="en" u="sng">
-                <a:solidFill>
-                  <a:schemeClr val="lt1"/>
-                </a:solidFill>
-                <a:latin typeface="Roboto"/>
-                <a:ea typeface="Roboto"/>
-                <a:cs typeface="Roboto"/>
-                <a:sym typeface="Roboto"/>
-              </a:rPr>
-              <a:t>7.49</a:t>
-            </a:r>
-            <a:r>
-              <a:rPr lang="en">
-                <a:solidFill>
-                  <a:schemeClr val="lt1"/>
-                </a:solidFill>
-                <a:latin typeface="Roboto"/>
-                <a:ea typeface="Roboto"/>
-                <a:cs typeface="Roboto"/>
-                <a:sym typeface="Roboto"/>
-              </a:rPr>
-              <a:t>%</a:t>
-            </a:r>
-            <a:endParaRPr>
-              <a:solidFill>
-                <a:schemeClr val="lt1"/>
-              </a:solidFill>
-              <a:latin typeface="Roboto"/>
-              <a:ea typeface="Roboto"/>
-              <a:cs typeface="Roboto"/>
-              <a:sym typeface="Roboto"/>
-            </a:endParaRPr>
-          </a:p>
-          <a:p>
-            <a:pPr indent="0" lvl="0" marL="0" rtl="0" algn="l">
-              <a:spcBef>
-                <a:spcPts val="0"/>
-              </a:spcBef>
-              <a:spcAft>
-                <a:spcPts val="0"/>
-              </a:spcAft>
-              <a:buNone/>
-            </a:pPr>
-            <a:r>
-              <a:rPr b="1" lang="en">
-                <a:solidFill>
-                  <a:schemeClr val="lt1"/>
-                </a:solidFill>
-                <a:latin typeface="Roboto"/>
-                <a:ea typeface="Roboto"/>
-                <a:cs typeface="Roboto"/>
-                <a:sym typeface="Roboto"/>
-              </a:rPr>
-              <a:t>Credit Card			 </a:t>
-            </a:r>
-            <a:r>
-              <a:rPr lang="en" u="sng">
-                <a:solidFill>
-                  <a:schemeClr val="lt1"/>
-                </a:solidFill>
-                <a:latin typeface="Roboto"/>
-                <a:ea typeface="Roboto"/>
-                <a:cs typeface="Roboto"/>
-                <a:sym typeface="Roboto"/>
-              </a:rPr>
-              <a:t>12.92</a:t>
-            </a:r>
-            <a:r>
-              <a:rPr lang="en">
-                <a:solidFill>
-                  <a:schemeClr val="lt1"/>
-                </a:solidFill>
-                <a:latin typeface="Roboto"/>
-                <a:ea typeface="Roboto"/>
-                <a:cs typeface="Roboto"/>
-                <a:sym typeface="Roboto"/>
-              </a:rPr>
-              <a:t>%</a:t>
-            </a:r>
-            <a:endParaRPr>
-              <a:solidFill>
-                <a:schemeClr val="lt1"/>
-              </a:solidFill>
-              <a:latin typeface="Roboto"/>
-              <a:ea typeface="Roboto"/>
-              <a:cs typeface="Roboto"/>
-              <a:sym typeface="Roboto"/>
-            </a:endParaRPr>
-          </a:p>
-          <a:p>
-            <a:pPr indent="0" lvl="0" marL="0" rtl="0" algn="l">
-              <a:spcBef>
-                <a:spcPts val="0"/>
-              </a:spcBef>
-              <a:spcAft>
-                <a:spcPts val="0"/>
-              </a:spcAft>
-              <a:buNone/>
-            </a:pPr>
-            <a:r>
-              <a:rPr b="1" lang="en">
-                <a:solidFill>
-                  <a:schemeClr val="lt1"/>
-                </a:solidFill>
-                <a:latin typeface="Roboto"/>
-                <a:ea typeface="Roboto"/>
-                <a:cs typeface="Roboto"/>
-                <a:sym typeface="Roboto"/>
-              </a:rPr>
-              <a:t>Other 		           </a:t>
-            </a:r>
-            <a:r>
-              <a:rPr lang="en" u="sng">
-                <a:solidFill>
-                  <a:schemeClr val="lt1"/>
-                </a:solidFill>
-                <a:latin typeface="Roboto"/>
-                <a:ea typeface="Roboto"/>
-                <a:cs typeface="Roboto"/>
-                <a:sym typeface="Roboto"/>
-              </a:rPr>
-              <a:t>10.05</a:t>
-            </a:r>
-            <a:r>
-              <a:rPr lang="en">
-                <a:solidFill>
-                  <a:schemeClr val="lt1"/>
-                </a:solidFill>
-                <a:latin typeface="Roboto"/>
-                <a:ea typeface="Roboto"/>
-                <a:cs typeface="Roboto"/>
-                <a:sym typeface="Roboto"/>
-              </a:rPr>
-              <a:t>%</a:t>
-            </a:r>
-            <a:endParaRPr>
-              <a:solidFill>
-                <a:schemeClr val="lt1"/>
-              </a:solidFill>
-              <a:latin typeface="Roboto"/>
-              <a:ea typeface="Roboto"/>
-              <a:cs typeface="Roboto"/>
-              <a:sym typeface="Roboto"/>
-            </a:endParaRPr>
-          </a:p>
-          <a:p>
-            <a:pPr indent="0" lvl="0" marL="0" rtl="0" algn="l">
-              <a:spcBef>
-                <a:spcPts val="0"/>
-              </a:spcBef>
-              <a:spcAft>
-                <a:spcPts val="0"/>
-              </a:spcAft>
-              <a:buNone/>
-            </a:pPr>
-            <a:r>
-              <a:rPr b="1" lang="en">
-                <a:solidFill>
-                  <a:schemeClr val="lt1"/>
-                </a:solidFill>
-                <a:latin typeface="Roboto"/>
-                <a:ea typeface="Roboto"/>
-                <a:cs typeface="Roboto"/>
-                <a:sym typeface="Roboto"/>
-              </a:rPr>
-              <a:t>Home Improvement 	   </a:t>
-            </a:r>
-            <a:r>
-              <a:rPr lang="en" u="sng">
-                <a:solidFill>
-                  <a:schemeClr val="lt1"/>
-                </a:solidFill>
-                <a:latin typeface="Roboto"/>
-                <a:ea typeface="Roboto"/>
-                <a:cs typeface="Roboto"/>
-                <a:sym typeface="Roboto"/>
-              </a:rPr>
-              <a:t>7.48</a:t>
-            </a:r>
-            <a:r>
-              <a:rPr lang="en">
-                <a:solidFill>
-                  <a:schemeClr val="lt1"/>
-                </a:solidFill>
-                <a:latin typeface="Roboto"/>
-                <a:ea typeface="Roboto"/>
-                <a:cs typeface="Roboto"/>
-                <a:sym typeface="Roboto"/>
-              </a:rPr>
-              <a:t>%</a:t>
-            </a:r>
-            <a:endParaRPr>
-              <a:solidFill>
-                <a:schemeClr val="lt1"/>
-              </a:solidFill>
-              <a:latin typeface="Roboto"/>
-              <a:ea typeface="Roboto"/>
-              <a:cs typeface="Roboto"/>
-              <a:sym typeface="Roboto"/>
-            </a:endParaRPr>
-          </a:p>
-          <a:p>
-            <a:pPr indent="0" lvl="0" marL="0" rtl="0" algn="l">
-              <a:spcBef>
-                <a:spcPts val="0"/>
-              </a:spcBef>
-              <a:spcAft>
-                <a:spcPts val="0"/>
-              </a:spcAft>
-              <a:buNone/>
-            </a:pPr>
-            <a:r>
-              <a:rPr b="1" lang="en">
-                <a:solidFill>
-                  <a:schemeClr val="lt1"/>
-                </a:solidFill>
-                <a:latin typeface="Roboto"/>
-                <a:ea typeface="Roboto"/>
-                <a:cs typeface="Roboto"/>
-                <a:sym typeface="Roboto"/>
-              </a:rPr>
-              <a:t>Small Business 		   </a:t>
-            </a:r>
-            <a:r>
-              <a:rPr lang="en" u="sng">
-                <a:solidFill>
-                  <a:schemeClr val="lt1"/>
-                </a:solidFill>
-                <a:latin typeface="Roboto"/>
-                <a:ea typeface="Roboto"/>
-                <a:cs typeface="Roboto"/>
-                <a:sym typeface="Roboto"/>
-              </a:rPr>
-              <a:t>4.60</a:t>
-            </a:r>
-            <a:r>
-              <a:rPr lang="en">
-                <a:solidFill>
-                  <a:schemeClr val="lt1"/>
-                </a:solidFill>
-                <a:latin typeface="Roboto"/>
-                <a:ea typeface="Roboto"/>
-                <a:cs typeface="Roboto"/>
-                <a:sym typeface="Roboto"/>
-              </a:rPr>
-              <a:t>%</a:t>
-            </a:r>
-            <a:endParaRPr>
-              <a:solidFill>
-                <a:schemeClr val="lt1"/>
-              </a:solidFill>
-              <a:latin typeface="Roboto"/>
-              <a:ea typeface="Roboto"/>
-              <a:cs typeface="Roboto"/>
-              <a:sym typeface="Roboto"/>
-            </a:endParaRPr>
-          </a:p>
-          <a:p>
-            <a:pPr indent="0" lvl="0" marL="0" rtl="0" algn="l">
-              <a:spcBef>
-                <a:spcPts val="0"/>
-              </a:spcBef>
-              <a:spcAft>
-                <a:spcPts val="0"/>
-              </a:spcAft>
-              <a:buNone/>
-            </a:pPr>
-            <a:r>
-              <a:rPr b="1" lang="en">
-                <a:solidFill>
-                  <a:schemeClr val="lt1"/>
-                </a:solidFill>
-                <a:latin typeface="Roboto"/>
-                <a:ea typeface="Roboto"/>
-                <a:cs typeface="Roboto"/>
-                <a:sym typeface="Roboto"/>
-              </a:rPr>
-              <a:t>Debt Consolidation	 </a:t>
-            </a:r>
-            <a:r>
-              <a:rPr lang="en" u="sng">
-                <a:solidFill>
-                  <a:schemeClr val="lt1"/>
-                </a:solidFill>
-                <a:latin typeface="Roboto"/>
-                <a:ea typeface="Roboto"/>
-                <a:cs typeface="Roboto"/>
-                <a:sym typeface="Roboto"/>
-              </a:rPr>
-              <a:t>46.93</a:t>
-            </a:r>
-            <a:r>
-              <a:rPr lang="en">
-                <a:solidFill>
-                  <a:schemeClr val="lt1"/>
-                </a:solidFill>
-                <a:latin typeface="Roboto"/>
-                <a:ea typeface="Roboto"/>
-                <a:cs typeface="Roboto"/>
-                <a:sym typeface="Roboto"/>
-              </a:rPr>
-              <a:t>%</a:t>
-            </a:r>
-            <a:endParaRPr>
-              <a:solidFill>
-                <a:schemeClr val="lt1"/>
-              </a:solidFill>
               <a:latin typeface="Roboto"/>
               <a:ea typeface="Roboto"/>
               <a:cs typeface="Roboto"/>
@@ -21218,7 +20887,7 @@
         </p:nvSpPr>
         <p:spPr>
           <a:xfrm>
-            <a:off x="39575" y="4375150"/>
+            <a:off x="1268525" y="4712550"/>
             <a:ext cx="3146400" cy="431100"/>
           </a:xfrm>
           <a:prstGeom prst="rect">
@@ -21292,6 +20961,955 @@
           </a:p>
         </p:txBody>
       </p:sp>
+      <p:graphicFrame>
+        <p:nvGraphicFramePr>
+          <p:cNvPr id="140" name="Google Shape;140;p17"/>
+          <p:cNvGraphicFramePr/>
+          <p:nvPr/>
+        </p:nvGraphicFramePr>
+        <p:xfrm>
+          <a:off x="301200" y="2359265"/>
+          <a:ext cx="3000000" cy="3000000"/>
+        </p:xfrm>
+        <a:graphic>
+          <a:graphicData uri="http://schemas.openxmlformats.org/drawingml/2006/table">
+            <a:tbl>
+              <a:tblPr>
+                <a:noFill/>
+                <a:tableStyleId>{CB1CD021-A1C8-4BA7-9682-76A5B71B62E7}</a:tableStyleId>
+              </a:tblPr>
+              <a:tblGrid>
+                <a:gridCol w="1290725"/>
+                <a:gridCol w="1290725"/>
+              </a:tblGrid>
+              <a:tr h="407675">
+                <a:tc>
+                  <a:txBody>
+                    <a:bodyPr/>
+                    <a:lstStyle/>
+                    <a:p>
+                      <a:pPr indent="0" lvl="0" marL="0" rtl="0" algn="ctr">
+                        <a:spcBef>
+                          <a:spcPts val="0"/>
+                        </a:spcBef>
+                        <a:spcAft>
+                          <a:spcPts val="0"/>
+                        </a:spcAft>
+                        <a:buNone/>
+                      </a:pPr>
+                      <a:r>
+                        <a:rPr lang="en" sz="1100">
+                          <a:solidFill>
+                            <a:schemeClr val="lt1"/>
+                          </a:solidFill>
+                          <a:latin typeface="Merriweather"/>
+                          <a:ea typeface="Merriweather"/>
+                          <a:cs typeface="Merriweather"/>
+                          <a:sym typeface="Merriweather"/>
+                        </a:rPr>
+                        <a:t>Major Purchase</a:t>
+                      </a:r>
+                      <a:endParaRPr/>
+                    </a:p>
+                  </a:txBody>
+                  <a:tcPr marT="91425" marB="91425" marR="91425" marL="91425" anchor="ctr">
+                    <a:lnL cap="flat" cmpd="sng" w="9525">
+                      <a:solidFill>
+                        <a:srgbClr val="9E9E9E"/>
+                      </a:solidFill>
+                      <a:prstDash val="dot"/>
+                      <a:round/>
+                      <a:headEnd len="sm" w="sm" type="none"/>
+                      <a:tailEnd len="sm" w="sm" type="none"/>
+                    </a:lnL>
+                    <a:lnR cap="flat" cmpd="sng" w="9525">
+                      <a:solidFill>
+                        <a:srgbClr val="9E9E9E"/>
+                      </a:solidFill>
+                      <a:prstDash val="dot"/>
+                      <a:round/>
+                      <a:headEnd len="sm" w="sm" type="none"/>
+                      <a:tailEnd len="sm" w="sm" type="none"/>
+                    </a:lnR>
+                    <a:lnT cap="flat" cmpd="sng" w="9525">
+                      <a:solidFill>
+                        <a:srgbClr val="9E9E9E"/>
+                      </a:solidFill>
+                      <a:prstDash val="dot"/>
+                      <a:round/>
+                      <a:headEnd len="sm" w="sm" type="none"/>
+                      <a:tailEnd len="sm" w="sm" type="none"/>
+                    </a:lnT>
+                    <a:lnB cap="flat" cmpd="sng" w="9525">
+                      <a:solidFill>
+                        <a:srgbClr val="9E9E9E"/>
+                      </a:solidFill>
+                      <a:prstDash val="dot"/>
+                      <a:round/>
+                      <a:headEnd len="sm" w="sm" type="none"/>
+                      <a:tailEnd len="sm" w="sm" type="none"/>
+                    </a:lnB>
+                  </a:tcPr>
+                </a:tc>
+                <a:tc>
+                  <a:txBody>
+                    <a:bodyPr/>
+                    <a:lstStyle/>
+                    <a:p>
+                      <a:pPr indent="0" lvl="0" marL="0" rtl="0" algn="ctr">
+                        <a:spcBef>
+                          <a:spcPts val="0"/>
+                        </a:spcBef>
+                        <a:spcAft>
+                          <a:spcPts val="0"/>
+                        </a:spcAft>
+                        <a:buNone/>
+                      </a:pPr>
+                      <a:r>
+                        <a:rPr lang="en" sz="1100" u="sng">
+                          <a:solidFill>
+                            <a:schemeClr val="lt1"/>
+                          </a:solidFill>
+                          <a:latin typeface="Merriweather"/>
+                          <a:ea typeface="Merriweather"/>
+                          <a:cs typeface="Merriweather"/>
+                          <a:sym typeface="Merriweather"/>
+                        </a:rPr>
+                        <a:t>7.49</a:t>
+                      </a:r>
+                      <a:r>
+                        <a:rPr lang="en" sz="1100">
+                          <a:solidFill>
+                            <a:schemeClr val="lt1"/>
+                          </a:solidFill>
+                          <a:latin typeface="Merriweather"/>
+                          <a:ea typeface="Merriweather"/>
+                          <a:cs typeface="Merriweather"/>
+                          <a:sym typeface="Merriweather"/>
+                        </a:rPr>
+                        <a:t>%</a:t>
+                      </a:r>
+                      <a:endParaRPr/>
+                    </a:p>
+                  </a:txBody>
+                  <a:tcPr marT="91425" marB="91425" marR="91425" marL="91425" anchor="ctr">
+                    <a:lnL cap="flat" cmpd="sng" w="9525">
+                      <a:solidFill>
+                        <a:srgbClr val="9E9E9E"/>
+                      </a:solidFill>
+                      <a:prstDash val="dot"/>
+                      <a:round/>
+                      <a:headEnd len="sm" w="sm" type="none"/>
+                      <a:tailEnd len="sm" w="sm" type="none"/>
+                    </a:lnL>
+                    <a:lnR cap="flat" cmpd="sng" w="9525">
+                      <a:solidFill>
+                        <a:srgbClr val="9E9E9E"/>
+                      </a:solidFill>
+                      <a:prstDash val="dot"/>
+                      <a:round/>
+                      <a:headEnd len="sm" w="sm" type="none"/>
+                      <a:tailEnd len="sm" w="sm" type="none"/>
+                    </a:lnR>
+                    <a:lnT cap="flat" cmpd="sng" w="9525">
+                      <a:solidFill>
+                        <a:srgbClr val="9E9E9E"/>
+                      </a:solidFill>
+                      <a:prstDash val="dot"/>
+                      <a:round/>
+                      <a:headEnd len="sm" w="sm" type="none"/>
+                      <a:tailEnd len="sm" w="sm" type="none"/>
+                    </a:lnT>
+                    <a:lnB cap="flat" cmpd="sng" w="9525">
+                      <a:solidFill>
+                        <a:srgbClr val="9E9E9E"/>
+                      </a:solidFill>
+                      <a:prstDash val="dot"/>
+                      <a:round/>
+                      <a:headEnd len="sm" w="sm" type="none"/>
+                      <a:tailEnd len="sm" w="sm" type="none"/>
+                    </a:lnB>
+                  </a:tcPr>
+                </a:tc>
+              </a:tr>
+              <a:tr h="336425">
+                <a:tc>
+                  <a:txBody>
+                    <a:bodyPr/>
+                    <a:lstStyle/>
+                    <a:p>
+                      <a:pPr indent="0" lvl="0" marL="0" rtl="0" algn="ctr">
+                        <a:spcBef>
+                          <a:spcPts val="0"/>
+                        </a:spcBef>
+                        <a:spcAft>
+                          <a:spcPts val="0"/>
+                        </a:spcAft>
+                        <a:buNone/>
+                      </a:pPr>
+                      <a:r>
+                        <a:rPr lang="en" sz="1100">
+                          <a:solidFill>
+                            <a:schemeClr val="lt1"/>
+                          </a:solidFill>
+                          <a:latin typeface="Merriweather"/>
+                          <a:ea typeface="Merriweather"/>
+                          <a:cs typeface="Merriweather"/>
+                          <a:sym typeface="Merriweather"/>
+                        </a:rPr>
+                        <a:t>Credit Card</a:t>
+                      </a:r>
+                      <a:endParaRPr/>
+                    </a:p>
+                  </a:txBody>
+                  <a:tcPr marT="91425" marB="91425" marR="91425" marL="91425" anchor="ctr">
+                    <a:lnL cap="flat" cmpd="sng" w="9525">
+                      <a:solidFill>
+                        <a:srgbClr val="9E9E9E"/>
+                      </a:solidFill>
+                      <a:prstDash val="dot"/>
+                      <a:round/>
+                      <a:headEnd len="sm" w="sm" type="none"/>
+                      <a:tailEnd len="sm" w="sm" type="none"/>
+                    </a:lnL>
+                    <a:lnR cap="flat" cmpd="sng" w="9525">
+                      <a:solidFill>
+                        <a:srgbClr val="9E9E9E"/>
+                      </a:solidFill>
+                      <a:prstDash val="dot"/>
+                      <a:round/>
+                      <a:headEnd len="sm" w="sm" type="none"/>
+                      <a:tailEnd len="sm" w="sm" type="none"/>
+                    </a:lnR>
+                    <a:lnT cap="flat" cmpd="sng" w="9525">
+                      <a:solidFill>
+                        <a:srgbClr val="9E9E9E"/>
+                      </a:solidFill>
+                      <a:prstDash val="dot"/>
+                      <a:round/>
+                      <a:headEnd len="sm" w="sm" type="none"/>
+                      <a:tailEnd len="sm" w="sm" type="none"/>
+                    </a:lnT>
+                    <a:lnB cap="flat" cmpd="sng" w="9525">
+                      <a:solidFill>
+                        <a:srgbClr val="9E9E9E"/>
+                      </a:solidFill>
+                      <a:prstDash val="dot"/>
+                      <a:round/>
+                      <a:headEnd len="sm" w="sm" type="none"/>
+                      <a:tailEnd len="sm" w="sm" type="none"/>
+                    </a:lnB>
+                  </a:tcPr>
+                </a:tc>
+                <a:tc>
+                  <a:txBody>
+                    <a:bodyPr/>
+                    <a:lstStyle/>
+                    <a:p>
+                      <a:pPr indent="0" lvl="0" marL="0" rtl="0" algn="ctr">
+                        <a:spcBef>
+                          <a:spcPts val="0"/>
+                        </a:spcBef>
+                        <a:spcAft>
+                          <a:spcPts val="0"/>
+                        </a:spcAft>
+                        <a:buNone/>
+                      </a:pPr>
+                      <a:r>
+                        <a:rPr lang="en" sz="1100" u="sng">
+                          <a:solidFill>
+                            <a:schemeClr val="lt1"/>
+                          </a:solidFill>
+                          <a:latin typeface="Merriweather"/>
+                          <a:ea typeface="Merriweather"/>
+                          <a:cs typeface="Merriweather"/>
+                          <a:sym typeface="Merriweather"/>
+                        </a:rPr>
+                        <a:t>12.92</a:t>
+                      </a:r>
+                      <a:r>
+                        <a:rPr lang="en" sz="1100">
+                          <a:solidFill>
+                            <a:schemeClr val="lt1"/>
+                          </a:solidFill>
+                          <a:latin typeface="Merriweather"/>
+                          <a:ea typeface="Merriweather"/>
+                          <a:cs typeface="Merriweather"/>
+                          <a:sym typeface="Merriweather"/>
+                        </a:rPr>
+                        <a:t>%</a:t>
+                      </a:r>
+                      <a:endParaRPr/>
+                    </a:p>
+                  </a:txBody>
+                  <a:tcPr marT="91425" marB="91425" marR="91425" marL="91425" anchor="ctr">
+                    <a:lnL cap="flat" cmpd="sng" w="9525">
+                      <a:solidFill>
+                        <a:srgbClr val="9E9E9E"/>
+                      </a:solidFill>
+                      <a:prstDash val="dot"/>
+                      <a:round/>
+                      <a:headEnd len="sm" w="sm" type="none"/>
+                      <a:tailEnd len="sm" w="sm" type="none"/>
+                    </a:lnL>
+                    <a:lnR cap="flat" cmpd="sng" w="9525">
+                      <a:solidFill>
+                        <a:srgbClr val="9E9E9E"/>
+                      </a:solidFill>
+                      <a:prstDash val="dot"/>
+                      <a:round/>
+                      <a:headEnd len="sm" w="sm" type="none"/>
+                      <a:tailEnd len="sm" w="sm" type="none"/>
+                    </a:lnR>
+                    <a:lnT cap="flat" cmpd="sng" w="9525">
+                      <a:solidFill>
+                        <a:srgbClr val="9E9E9E"/>
+                      </a:solidFill>
+                      <a:prstDash val="dot"/>
+                      <a:round/>
+                      <a:headEnd len="sm" w="sm" type="none"/>
+                      <a:tailEnd len="sm" w="sm" type="none"/>
+                    </a:lnT>
+                    <a:lnB cap="flat" cmpd="sng" w="9525">
+                      <a:solidFill>
+                        <a:srgbClr val="9E9E9E"/>
+                      </a:solidFill>
+                      <a:prstDash val="dot"/>
+                      <a:round/>
+                      <a:headEnd len="sm" w="sm" type="none"/>
+                      <a:tailEnd len="sm" w="sm" type="none"/>
+                    </a:lnB>
+                  </a:tcPr>
+                </a:tc>
+              </a:tr>
+              <a:tr h="336425">
+                <a:tc>
+                  <a:txBody>
+                    <a:bodyPr/>
+                    <a:lstStyle/>
+                    <a:p>
+                      <a:pPr indent="0" lvl="0" marL="0" rtl="0" algn="ctr">
+                        <a:spcBef>
+                          <a:spcPts val="0"/>
+                        </a:spcBef>
+                        <a:spcAft>
+                          <a:spcPts val="0"/>
+                        </a:spcAft>
+                        <a:buNone/>
+                      </a:pPr>
+                      <a:r>
+                        <a:rPr lang="en" sz="1100">
+                          <a:solidFill>
+                            <a:schemeClr val="lt1"/>
+                          </a:solidFill>
+                          <a:latin typeface="Merriweather"/>
+                          <a:ea typeface="Merriweather"/>
+                          <a:cs typeface="Merriweather"/>
+                          <a:sym typeface="Merriweather"/>
+                        </a:rPr>
+                        <a:t>Other 	</a:t>
+                      </a:r>
+                      <a:endParaRPr/>
+                    </a:p>
+                  </a:txBody>
+                  <a:tcPr marT="91425" marB="91425" marR="91425" marL="91425" anchor="ctr">
+                    <a:lnL cap="flat" cmpd="sng" w="9525">
+                      <a:solidFill>
+                        <a:srgbClr val="9E9E9E"/>
+                      </a:solidFill>
+                      <a:prstDash val="dot"/>
+                      <a:round/>
+                      <a:headEnd len="sm" w="sm" type="none"/>
+                      <a:tailEnd len="sm" w="sm" type="none"/>
+                    </a:lnL>
+                    <a:lnR cap="flat" cmpd="sng" w="9525">
+                      <a:solidFill>
+                        <a:srgbClr val="9E9E9E"/>
+                      </a:solidFill>
+                      <a:prstDash val="dot"/>
+                      <a:round/>
+                      <a:headEnd len="sm" w="sm" type="none"/>
+                      <a:tailEnd len="sm" w="sm" type="none"/>
+                    </a:lnR>
+                    <a:lnT cap="flat" cmpd="sng" w="9525">
+                      <a:solidFill>
+                        <a:srgbClr val="9E9E9E"/>
+                      </a:solidFill>
+                      <a:prstDash val="dot"/>
+                      <a:round/>
+                      <a:headEnd len="sm" w="sm" type="none"/>
+                      <a:tailEnd len="sm" w="sm" type="none"/>
+                    </a:lnT>
+                    <a:lnB cap="flat" cmpd="sng" w="9525">
+                      <a:solidFill>
+                        <a:srgbClr val="9E9E9E"/>
+                      </a:solidFill>
+                      <a:prstDash val="dot"/>
+                      <a:round/>
+                      <a:headEnd len="sm" w="sm" type="none"/>
+                      <a:tailEnd len="sm" w="sm" type="none"/>
+                    </a:lnB>
+                  </a:tcPr>
+                </a:tc>
+                <a:tc>
+                  <a:txBody>
+                    <a:bodyPr/>
+                    <a:lstStyle/>
+                    <a:p>
+                      <a:pPr indent="0" lvl="0" marL="0" rtl="0" algn="ctr">
+                        <a:spcBef>
+                          <a:spcPts val="0"/>
+                        </a:spcBef>
+                        <a:spcAft>
+                          <a:spcPts val="0"/>
+                        </a:spcAft>
+                        <a:buNone/>
+                      </a:pPr>
+                      <a:r>
+                        <a:rPr lang="en" sz="1100">
+                          <a:solidFill>
+                            <a:schemeClr val="lt1"/>
+                          </a:solidFill>
+                          <a:latin typeface="Merriweather"/>
+                          <a:ea typeface="Merriweather"/>
+                          <a:cs typeface="Merriweather"/>
+                          <a:sym typeface="Merriweather"/>
+                        </a:rPr>
+                        <a:t> </a:t>
+                      </a:r>
+                      <a:r>
+                        <a:rPr lang="en" sz="1100" u="sng">
+                          <a:solidFill>
+                            <a:schemeClr val="lt1"/>
+                          </a:solidFill>
+                          <a:latin typeface="Merriweather"/>
+                          <a:ea typeface="Merriweather"/>
+                          <a:cs typeface="Merriweather"/>
+                          <a:sym typeface="Merriweather"/>
+                        </a:rPr>
+                        <a:t>10.05</a:t>
+                      </a:r>
+                      <a:r>
+                        <a:rPr lang="en" sz="1100">
+                          <a:solidFill>
+                            <a:schemeClr val="lt1"/>
+                          </a:solidFill>
+                          <a:latin typeface="Merriweather"/>
+                          <a:ea typeface="Merriweather"/>
+                          <a:cs typeface="Merriweather"/>
+                          <a:sym typeface="Merriweather"/>
+                        </a:rPr>
+                        <a:t>%</a:t>
+                      </a:r>
+                      <a:endParaRPr/>
+                    </a:p>
+                  </a:txBody>
+                  <a:tcPr marT="91425" marB="91425" marR="91425" marL="91425" anchor="ctr">
+                    <a:lnL cap="flat" cmpd="sng" w="9525">
+                      <a:solidFill>
+                        <a:srgbClr val="9E9E9E"/>
+                      </a:solidFill>
+                      <a:prstDash val="dot"/>
+                      <a:round/>
+                      <a:headEnd len="sm" w="sm" type="none"/>
+                      <a:tailEnd len="sm" w="sm" type="none"/>
+                    </a:lnL>
+                    <a:lnR cap="flat" cmpd="sng" w="9525">
+                      <a:solidFill>
+                        <a:srgbClr val="9E9E9E"/>
+                      </a:solidFill>
+                      <a:prstDash val="dot"/>
+                      <a:round/>
+                      <a:headEnd len="sm" w="sm" type="none"/>
+                      <a:tailEnd len="sm" w="sm" type="none"/>
+                    </a:lnR>
+                    <a:lnT cap="flat" cmpd="sng" w="9525">
+                      <a:solidFill>
+                        <a:srgbClr val="9E9E9E"/>
+                      </a:solidFill>
+                      <a:prstDash val="dot"/>
+                      <a:round/>
+                      <a:headEnd len="sm" w="sm" type="none"/>
+                      <a:tailEnd len="sm" w="sm" type="none"/>
+                    </a:lnT>
+                    <a:lnB cap="flat" cmpd="sng" w="9525">
+                      <a:solidFill>
+                        <a:srgbClr val="9E9E9E"/>
+                      </a:solidFill>
+                      <a:prstDash val="dot"/>
+                      <a:round/>
+                      <a:headEnd len="sm" w="sm" type="none"/>
+                      <a:tailEnd len="sm" w="sm" type="none"/>
+                    </a:lnB>
+                  </a:tcPr>
+                </a:tc>
+              </a:tr>
+              <a:tr h="497325">
+                <a:tc>
+                  <a:txBody>
+                    <a:bodyPr/>
+                    <a:lstStyle/>
+                    <a:p>
+                      <a:pPr indent="0" lvl="0" marL="0" rtl="0" algn="ctr">
+                        <a:spcBef>
+                          <a:spcPts val="0"/>
+                        </a:spcBef>
+                        <a:spcAft>
+                          <a:spcPts val="0"/>
+                        </a:spcAft>
+                        <a:buNone/>
+                      </a:pPr>
+                      <a:r>
+                        <a:rPr lang="en" sz="1100">
+                          <a:solidFill>
+                            <a:schemeClr val="lt1"/>
+                          </a:solidFill>
+                          <a:latin typeface="Merriweather"/>
+                          <a:ea typeface="Merriweather"/>
+                          <a:cs typeface="Merriweather"/>
+                          <a:sym typeface="Merriweather"/>
+                        </a:rPr>
+                        <a:t>Home Improvement</a:t>
+                      </a:r>
+                      <a:endParaRPr/>
+                    </a:p>
+                  </a:txBody>
+                  <a:tcPr marT="91425" marB="91425" marR="91425" marL="91425" anchor="ctr">
+                    <a:lnL cap="flat" cmpd="sng" w="9525">
+                      <a:solidFill>
+                        <a:srgbClr val="9E9E9E"/>
+                      </a:solidFill>
+                      <a:prstDash val="dot"/>
+                      <a:round/>
+                      <a:headEnd len="sm" w="sm" type="none"/>
+                      <a:tailEnd len="sm" w="sm" type="none"/>
+                    </a:lnL>
+                    <a:lnR cap="flat" cmpd="sng" w="9525">
+                      <a:solidFill>
+                        <a:srgbClr val="9E9E9E"/>
+                      </a:solidFill>
+                      <a:prstDash val="dot"/>
+                      <a:round/>
+                      <a:headEnd len="sm" w="sm" type="none"/>
+                      <a:tailEnd len="sm" w="sm" type="none"/>
+                    </a:lnR>
+                    <a:lnT cap="flat" cmpd="sng" w="9525">
+                      <a:solidFill>
+                        <a:srgbClr val="9E9E9E"/>
+                      </a:solidFill>
+                      <a:prstDash val="dot"/>
+                      <a:round/>
+                      <a:headEnd len="sm" w="sm" type="none"/>
+                      <a:tailEnd len="sm" w="sm" type="none"/>
+                    </a:lnT>
+                    <a:lnB cap="flat" cmpd="sng" w="9525">
+                      <a:solidFill>
+                        <a:srgbClr val="9E9E9E"/>
+                      </a:solidFill>
+                      <a:prstDash val="dot"/>
+                      <a:round/>
+                      <a:headEnd len="sm" w="sm" type="none"/>
+                      <a:tailEnd len="sm" w="sm" type="none"/>
+                    </a:lnB>
+                  </a:tcPr>
+                </a:tc>
+                <a:tc>
+                  <a:txBody>
+                    <a:bodyPr/>
+                    <a:lstStyle/>
+                    <a:p>
+                      <a:pPr indent="0" lvl="0" marL="0" rtl="0" algn="ctr">
+                        <a:spcBef>
+                          <a:spcPts val="0"/>
+                        </a:spcBef>
+                        <a:spcAft>
+                          <a:spcPts val="0"/>
+                        </a:spcAft>
+                        <a:buNone/>
+                      </a:pPr>
+                      <a:r>
+                        <a:rPr lang="en" sz="1100" u="sng">
+                          <a:solidFill>
+                            <a:schemeClr val="lt1"/>
+                          </a:solidFill>
+                          <a:latin typeface="Merriweather"/>
+                          <a:ea typeface="Merriweather"/>
+                          <a:cs typeface="Merriweather"/>
+                          <a:sym typeface="Merriweather"/>
+                        </a:rPr>
+                        <a:t>7.48</a:t>
+                      </a:r>
+                      <a:r>
+                        <a:rPr lang="en" sz="1100">
+                          <a:solidFill>
+                            <a:schemeClr val="lt1"/>
+                          </a:solidFill>
+                          <a:latin typeface="Merriweather"/>
+                          <a:ea typeface="Merriweather"/>
+                          <a:cs typeface="Merriweather"/>
+                          <a:sym typeface="Merriweather"/>
+                        </a:rPr>
+                        <a:t>%</a:t>
+                      </a:r>
+                      <a:endParaRPr/>
+                    </a:p>
+                  </a:txBody>
+                  <a:tcPr marT="91425" marB="91425" marR="91425" marL="91425" anchor="ctr">
+                    <a:lnL cap="flat" cmpd="sng" w="9525">
+                      <a:solidFill>
+                        <a:srgbClr val="9E9E9E"/>
+                      </a:solidFill>
+                      <a:prstDash val="dot"/>
+                      <a:round/>
+                      <a:headEnd len="sm" w="sm" type="none"/>
+                      <a:tailEnd len="sm" w="sm" type="none"/>
+                    </a:lnL>
+                    <a:lnR cap="flat" cmpd="sng" w="9525">
+                      <a:solidFill>
+                        <a:srgbClr val="9E9E9E"/>
+                      </a:solidFill>
+                      <a:prstDash val="dot"/>
+                      <a:round/>
+                      <a:headEnd len="sm" w="sm" type="none"/>
+                      <a:tailEnd len="sm" w="sm" type="none"/>
+                    </a:lnR>
+                    <a:lnT cap="flat" cmpd="sng" w="9525">
+                      <a:solidFill>
+                        <a:srgbClr val="9E9E9E"/>
+                      </a:solidFill>
+                      <a:prstDash val="dot"/>
+                      <a:round/>
+                      <a:headEnd len="sm" w="sm" type="none"/>
+                      <a:tailEnd len="sm" w="sm" type="none"/>
+                    </a:lnT>
+                    <a:lnB cap="flat" cmpd="sng" w="9525">
+                      <a:solidFill>
+                        <a:srgbClr val="9E9E9E"/>
+                      </a:solidFill>
+                      <a:prstDash val="dot"/>
+                      <a:round/>
+                      <a:headEnd len="sm" w="sm" type="none"/>
+                      <a:tailEnd len="sm" w="sm" type="none"/>
+                    </a:lnB>
+                  </a:tcPr>
+                </a:tc>
+              </a:tr>
+              <a:tr h="407675">
+                <a:tc>
+                  <a:txBody>
+                    <a:bodyPr/>
+                    <a:lstStyle/>
+                    <a:p>
+                      <a:pPr indent="0" lvl="0" marL="0" rtl="0" algn="ctr">
+                        <a:spcBef>
+                          <a:spcPts val="0"/>
+                        </a:spcBef>
+                        <a:spcAft>
+                          <a:spcPts val="0"/>
+                        </a:spcAft>
+                        <a:buNone/>
+                      </a:pPr>
+                      <a:r>
+                        <a:rPr lang="en" sz="1100">
+                          <a:solidFill>
+                            <a:schemeClr val="lt1"/>
+                          </a:solidFill>
+                          <a:latin typeface="Merriweather"/>
+                          <a:ea typeface="Merriweather"/>
+                          <a:cs typeface="Merriweather"/>
+                          <a:sym typeface="Merriweather"/>
+                        </a:rPr>
+                        <a:t>Small Business </a:t>
+                      </a:r>
+                      <a:endParaRPr/>
+                    </a:p>
+                  </a:txBody>
+                  <a:tcPr marT="91425" marB="91425" marR="91425" marL="91425" anchor="ctr">
+                    <a:lnL cap="flat" cmpd="sng" w="9525">
+                      <a:solidFill>
+                        <a:srgbClr val="9E9E9E"/>
+                      </a:solidFill>
+                      <a:prstDash val="dot"/>
+                      <a:round/>
+                      <a:headEnd len="sm" w="sm" type="none"/>
+                      <a:tailEnd len="sm" w="sm" type="none"/>
+                    </a:lnL>
+                    <a:lnR cap="flat" cmpd="sng" w="9525">
+                      <a:solidFill>
+                        <a:srgbClr val="9E9E9E"/>
+                      </a:solidFill>
+                      <a:prstDash val="dot"/>
+                      <a:round/>
+                      <a:headEnd len="sm" w="sm" type="none"/>
+                      <a:tailEnd len="sm" w="sm" type="none"/>
+                    </a:lnR>
+                    <a:lnT cap="flat" cmpd="sng" w="9525">
+                      <a:solidFill>
+                        <a:srgbClr val="9E9E9E"/>
+                      </a:solidFill>
+                      <a:prstDash val="dot"/>
+                      <a:round/>
+                      <a:headEnd len="sm" w="sm" type="none"/>
+                      <a:tailEnd len="sm" w="sm" type="none"/>
+                    </a:lnT>
+                    <a:lnB cap="flat" cmpd="sng" w="9525">
+                      <a:solidFill>
+                        <a:srgbClr val="9E9E9E"/>
+                      </a:solidFill>
+                      <a:prstDash val="dot"/>
+                      <a:round/>
+                      <a:headEnd len="sm" w="sm" type="none"/>
+                      <a:tailEnd len="sm" w="sm" type="none"/>
+                    </a:lnB>
+                  </a:tcPr>
+                </a:tc>
+                <a:tc>
+                  <a:txBody>
+                    <a:bodyPr/>
+                    <a:lstStyle/>
+                    <a:p>
+                      <a:pPr indent="0" lvl="0" marL="0" rtl="0" algn="ctr">
+                        <a:spcBef>
+                          <a:spcPts val="0"/>
+                        </a:spcBef>
+                        <a:spcAft>
+                          <a:spcPts val="0"/>
+                        </a:spcAft>
+                        <a:buNone/>
+                      </a:pPr>
+                      <a:r>
+                        <a:rPr lang="en" sz="1100">
+                          <a:solidFill>
+                            <a:schemeClr val="lt1"/>
+                          </a:solidFill>
+                          <a:latin typeface="Merriweather"/>
+                          <a:ea typeface="Merriweather"/>
+                          <a:cs typeface="Merriweather"/>
+                          <a:sym typeface="Merriweather"/>
+                        </a:rPr>
+                        <a:t> </a:t>
+                      </a:r>
+                      <a:r>
+                        <a:rPr lang="en" sz="1100" u="sng">
+                          <a:solidFill>
+                            <a:schemeClr val="lt1"/>
+                          </a:solidFill>
+                          <a:latin typeface="Merriweather"/>
+                          <a:ea typeface="Merriweather"/>
+                          <a:cs typeface="Merriweather"/>
+                          <a:sym typeface="Merriweather"/>
+                        </a:rPr>
+                        <a:t>4.60</a:t>
+                      </a:r>
+                      <a:r>
+                        <a:rPr lang="en" sz="1100">
+                          <a:solidFill>
+                            <a:schemeClr val="lt1"/>
+                          </a:solidFill>
+                          <a:latin typeface="Merriweather"/>
+                          <a:ea typeface="Merriweather"/>
+                          <a:cs typeface="Merriweather"/>
+                          <a:sym typeface="Merriweather"/>
+                        </a:rPr>
+                        <a:t>%</a:t>
+                      </a:r>
+                      <a:endParaRPr/>
+                    </a:p>
+                  </a:txBody>
+                  <a:tcPr marT="91425" marB="91425" marR="91425" marL="91425" anchor="ctr">
+                    <a:lnL cap="flat" cmpd="sng" w="9525">
+                      <a:solidFill>
+                        <a:srgbClr val="9E9E9E"/>
+                      </a:solidFill>
+                      <a:prstDash val="dot"/>
+                      <a:round/>
+                      <a:headEnd len="sm" w="sm" type="none"/>
+                      <a:tailEnd len="sm" w="sm" type="none"/>
+                    </a:lnL>
+                    <a:lnR cap="flat" cmpd="sng" w="9525">
+                      <a:solidFill>
+                        <a:srgbClr val="9E9E9E"/>
+                      </a:solidFill>
+                      <a:prstDash val="dot"/>
+                      <a:round/>
+                      <a:headEnd len="sm" w="sm" type="none"/>
+                      <a:tailEnd len="sm" w="sm" type="none"/>
+                    </a:lnR>
+                    <a:lnT cap="flat" cmpd="sng" w="9525">
+                      <a:solidFill>
+                        <a:srgbClr val="9E9E9E"/>
+                      </a:solidFill>
+                      <a:prstDash val="dot"/>
+                      <a:round/>
+                      <a:headEnd len="sm" w="sm" type="none"/>
+                      <a:tailEnd len="sm" w="sm" type="none"/>
+                    </a:lnT>
+                    <a:lnB cap="flat" cmpd="sng" w="9525">
+                      <a:solidFill>
+                        <a:srgbClr val="9E9E9E"/>
+                      </a:solidFill>
+                      <a:prstDash val="dot"/>
+                      <a:round/>
+                      <a:headEnd len="sm" w="sm" type="none"/>
+                      <a:tailEnd len="sm" w="sm" type="none"/>
+                    </a:lnB>
+                  </a:tcPr>
+                </a:tc>
+              </a:tr>
+              <a:tr h="497325">
+                <a:tc>
+                  <a:txBody>
+                    <a:bodyPr/>
+                    <a:lstStyle/>
+                    <a:p>
+                      <a:pPr indent="0" lvl="0" marL="0" rtl="0" algn="ctr">
+                        <a:spcBef>
+                          <a:spcPts val="0"/>
+                        </a:spcBef>
+                        <a:spcAft>
+                          <a:spcPts val="0"/>
+                        </a:spcAft>
+                        <a:buNone/>
+                      </a:pPr>
+                      <a:r>
+                        <a:rPr lang="en" sz="1100">
+                          <a:solidFill>
+                            <a:schemeClr val="lt1"/>
+                          </a:solidFill>
+                          <a:latin typeface="Merriweather"/>
+                          <a:ea typeface="Merriweather"/>
+                          <a:cs typeface="Merriweather"/>
+                          <a:sym typeface="Merriweather"/>
+                        </a:rPr>
+                        <a:t>Debt Consolidation</a:t>
+                      </a:r>
+                      <a:endParaRPr/>
+                    </a:p>
+                  </a:txBody>
+                  <a:tcPr marT="91425" marB="91425" marR="91425" marL="91425" anchor="ctr">
+                    <a:lnL cap="flat" cmpd="sng" w="9525">
+                      <a:solidFill>
+                        <a:srgbClr val="9E9E9E"/>
+                      </a:solidFill>
+                      <a:prstDash val="dot"/>
+                      <a:round/>
+                      <a:headEnd len="sm" w="sm" type="none"/>
+                      <a:tailEnd len="sm" w="sm" type="none"/>
+                    </a:lnL>
+                    <a:lnR cap="flat" cmpd="sng" w="9525">
+                      <a:solidFill>
+                        <a:srgbClr val="9E9E9E"/>
+                      </a:solidFill>
+                      <a:prstDash val="dot"/>
+                      <a:round/>
+                      <a:headEnd len="sm" w="sm" type="none"/>
+                      <a:tailEnd len="sm" w="sm" type="none"/>
+                    </a:lnR>
+                    <a:lnT cap="flat" cmpd="sng" w="9525">
+                      <a:solidFill>
+                        <a:srgbClr val="9E9E9E"/>
+                      </a:solidFill>
+                      <a:prstDash val="dot"/>
+                      <a:round/>
+                      <a:headEnd len="sm" w="sm" type="none"/>
+                      <a:tailEnd len="sm" w="sm" type="none"/>
+                    </a:lnT>
+                    <a:lnB cap="flat" cmpd="sng" w="9525">
+                      <a:solidFill>
+                        <a:srgbClr val="9E9E9E"/>
+                      </a:solidFill>
+                      <a:prstDash val="dot"/>
+                      <a:round/>
+                      <a:headEnd len="sm" w="sm" type="none"/>
+                      <a:tailEnd len="sm" w="sm" type="none"/>
+                    </a:lnB>
+                  </a:tcPr>
+                </a:tc>
+                <a:tc>
+                  <a:txBody>
+                    <a:bodyPr/>
+                    <a:lstStyle/>
+                    <a:p>
+                      <a:pPr indent="0" lvl="0" marL="0" rtl="0" algn="ctr">
+                        <a:spcBef>
+                          <a:spcPts val="0"/>
+                        </a:spcBef>
+                        <a:spcAft>
+                          <a:spcPts val="0"/>
+                        </a:spcAft>
+                        <a:buNone/>
+                      </a:pPr>
+                      <a:r>
+                        <a:rPr lang="en" sz="1100" u="sng">
+                          <a:solidFill>
+                            <a:schemeClr val="lt1"/>
+                          </a:solidFill>
+                          <a:latin typeface="Merriweather"/>
+                          <a:ea typeface="Merriweather"/>
+                          <a:cs typeface="Merriweather"/>
+                          <a:sym typeface="Merriweather"/>
+                        </a:rPr>
+                        <a:t>46.93</a:t>
+                      </a:r>
+                      <a:r>
+                        <a:rPr lang="en" sz="1100">
+                          <a:solidFill>
+                            <a:schemeClr val="lt1"/>
+                          </a:solidFill>
+                          <a:latin typeface="Merriweather"/>
+                          <a:ea typeface="Merriweather"/>
+                          <a:cs typeface="Merriweather"/>
+                          <a:sym typeface="Merriweather"/>
+                        </a:rPr>
+                        <a:t>%</a:t>
+                      </a:r>
+                      <a:endParaRPr/>
+                    </a:p>
+                  </a:txBody>
+                  <a:tcPr marT="91425" marB="91425" marR="91425" marL="91425" anchor="ctr">
+                    <a:lnL cap="flat" cmpd="sng" w="9525">
+                      <a:solidFill>
+                        <a:srgbClr val="9E9E9E"/>
+                      </a:solidFill>
+                      <a:prstDash val="dot"/>
+                      <a:round/>
+                      <a:headEnd len="sm" w="sm" type="none"/>
+                      <a:tailEnd len="sm" w="sm" type="none"/>
+                    </a:lnL>
+                    <a:lnR cap="flat" cmpd="sng" w="9525">
+                      <a:solidFill>
+                        <a:srgbClr val="9E9E9E"/>
+                      </a:solidFill>
+                      <a:prstDash val="dot"/>
+                      <a:round/>
+                      <a:headEnd len="sm" w="sm" type="none"/>
+                      <a:tailEnd len="sm" w="sm" type="none"/>
+                    </a:lnR>
+                    <a:lnT cap="flat" cmpd="sng" w="9525">
+                      <a:solidFill>
+                        <a:srgbClr val="9E9E9E"/>
+                      </a:solidFill>
+                      <a:prstDash val="dot"/>
+                      <a:round/>
+                      <a:headEnd len="sm" w="sm" type="none"/>
+                      <a:tailEnd len="sm" w="sm" type="none"/>
+                    </a:lnT>
+                    <a:lnB cap="flat" cmpd="sng" w="9525">
+                      <a:solidFill>
+                        <a:srgbClr val="9E9E9E"/>
+                      </a:solidFill>
+                      <a:prstDash val="dot"/>
+                      <a:round/>
+                      <a:headEnd len="sm" w="sm" type="none"/>
+                      <a:tailEnd len="sm" w="sm" type="none"/>
+                    </a:lnB>
+                  </a:tcPr>
+                </a:tc>
+              </a:tr>
+            </a:tbl>
+          </a:graphicData>
+        </a:graphic>
+      </p:graphicFrame>
     </p:spTree>
   </p:cSld>
   <p:clrMapOvr>
@@ -21305,7 +21923,7 @@
   <p:cSld>
     <p:spTree>
       <p:nvGrpSpPr>
-        <p:cNvPr id="143" name="Shape 143"/>
+        <p:cNvPr id="144" name="Shape 144"/>
         <p:cNvGrpSpPr/>
         <p:nvPr/>
       </p:nvGrpSpPr>
@@ -21319,7 +21937,7 @@
       </p:grpSpPr>
       <p:sp>
         <p:nvSpPr>
-          <p:cNvPr id="144" name="Google Shape;144;p18"/>
+          <p:cNvPr id="145" name="Google Shape;145;p18"/>
           <p:cNvSpPr/>
           <p:nvPr/>
         </p:nvSpPr>
@@ -21370,7 +21988,7 @@
       </p:sp>
       <p:sp>
         <p:nvSpPr>
-          <p:cNvPr id="145" name="Google Shape;145;p18"/>
+          <p:cNvPr id="146" name="Google Shape;146;p18"/>
           <p:cNvSpPr/>
           <p:nvPr/>
         </p:nvSpPr>
@@ -21421,7 +22039,7 @@
       </p:sp>
       <p:sp>
         <p:nvSpPr>
-          <p:cNvPr id="146" name="Google Shape;146;p18"/>
+          <p:cNvPr id="147" name="Google Shape;147;p18"/>
           <p:cNvSpPr txBox="1"/>
           <p:nvPr/>
         </p:nvSpPr>
@@ -21479,7 +22097,7 @@
       </p:sp>
       <p:pic>
         <p:nvPicPr>
-          <p:cNvPr id="147" name="Google Shape;147;p18"/>
+          <p:cNvPr id="148" name="Google Shape;148;p18"/>
           <p:cNvPicPr preferRelativeResize="0"/>
           <p:nvPr/>
         </p:nvPicPr>
@@ -21507,7 +22125,7 @@
       </p:pic>
       <p:sp>
         <p:nvSpPr>
-          <p:cNvPr id="148" name="Google Shape;148;p18"/>
+          <p:cNvPr id="149" name="Google Shape;149;p18"/>
           <p:cNvSpPr txBox="1"/>
           <p:nvPr/>
         </p:nvSpPr>
@@ -21553,7 +22171,7 @@
       </p:sp>
       <p:sp>
         <p:nvSpPr>
-          <p:cNvPr id="149" name="Google Shape;149;p18"/>
+          <p:cNvPr id="150" name="Google Shape;150;p18"/>
           <p:cNvSpPr txBox="1"/>
           <p:nvPr/>
         </p:nvSpPr>
@@ -21595,7 +22213,7 @@
                 <a:cs typeface="Merriweather"/>
                 <a:sym typeface="Merriweather"/>
               </a:rPr>
-              <a:t>An Individual with an owned home is about 10 times less likely To Be Charged Off than a person who Rents or Mortgage’s his place.</a:t>
+              <a:t>An Individual with an owned home is about 10 times less likely To Be Charged Off than a person who Rents or Mortgage’s his residence.</a:t>
             </a:r>
             <a:endParaRPr sz="1600">
               <a:solidFill>
@@ -21622,7 +22240,7 @@
   <p:cSld>
     <p:spTree>
       <p:nvGrpSpPr>
-        <p:cNvPr id="153" name="Shape 153"/>
+        <p:cNvPr id="154" name="Shape 154"/>
         <p:cNvGrpSpPr/>
         <p:nvPr/>
       </p:nvGrpSpPr>
@@ -21636,7 +22254,7 @@
       </p:grpSpPr>
       <p:sp>
         <p:nvSpPr>
-          <p:cNvPr id="154" name="Google Shape;154;p19"/>
+          <p:cNvPr id="155" name="Google Shape;155;p19"/>
           <p:cNvSpPr/>
           <p:nvPr/>
         </p:nvSpPr>
@@ -21691,7 +22309,7 @@
       </p:sp>
       <p:sp>
         <p:nvSpPr>
-          <p:cNvPr id="155" name="Google Shape;155;p19"/>
+          <p:cNvPr id="156" name="Google Shape;156;p19"/>
           <p:cNvSpPr/>
           <p:nvPr/>
         </p:nvSpPr>
@@ -21740,7 +22358,7 @@
       </p:sp>
       <p:sp>
         <p:nvSpPr>
-          <p:cNvPr id="156" name="Google Shape;156;p19"/>
+          <p:cNvPr id="157" name="Google Shape;157;p19"/>
           <p:cNvSpPr txBox="1"/>
           <p:nvPr/>
         </p:nvSpPr>
@@ -21798,7 +22416,7 @@
       </p:sp>
       <p:pic>
         <p:nvPicPr>
-          <p:cNvPr id="157" name="Google Shape;157;p19"/>
+          <p:cNvPr id="158" name="Google Shape;158;p19"/>
           <p:cNvPicPr preferRelativeResize="0"/>
           <p:nvPr/>
         </p:nvPicPr>
@@ -21826,14 +22444,14 @@
       </p:pic>
       <p:sp>
         <p:nvSpPr>
-          <p:cNvPr id="158" name="Google Shape;158;p19"/>
+          <p:cNvPr id="159" name="Google Shape;159;p19"/>
           <p:cNvSpPr txBox="1"/>
           <p:nvPr/>
         </p:nvSpPr>
         <p:spPr>
           <a:xfrm>
             <a:off x="102425" y="1697488"/>
-            <a:ext cx="2979000" cy="2339700"/>
+            <a:ext cx="2979000" cy="2555100"/>
           </a:xfrm>
           <a:prstGeom prst="rect">
             <a:avLst/>
@@ -21868,7 +22486,7 @@
                 <a:cs typeface="Merriweather"/>
                 <a:sym typeface="Merriweather"/>
               </a:rPr>
-              <a:t>While lending club a has made a massive growth in Loan Applicants, that growth naturally translates to a huge a backlog of increased Charge Offs. This is because at such large scales, the same percentage of charge offs lead to a huge number of absolute charge offs. </a:t>
+              <a:t>While lending club a has made a massive growth in Loan Applicants, that growth naturally translates to a huge a backlog of increased Charge Offs. This is because at such large scales, the same percentage of charge offs lead to a huge number of absolute charge offs at much higher rates. </a:t>
             </a:r>
             <a:endParaRPr>
               <a:solidFill>
@@ -21884,7 +22502,7 @@
       </p:sp>
       <p:sp>
         <p:nvSpPr>
-          <p:cNvPr id="159" name="Google Shape;159;p19"/>
+          <p:cNvPr id="160" name="Google Shape;160;p19"/>
           <p:cNvSpPr txBox="1"/>
           <p:nvPr/>
         </p:nvSpPr>
@@ -21953,7 +22571,7 @@
   <p:cSld>
     <p:spTree>
       <p:nvGrpSpPr>
-        <p:cNvPr id="163" name="Shape 163"/>
+        <p:cNvPr id="164" name="Shape 164"/>
         <p:cNvGrpSpPr/>
         <p:nvPr/>
       </p:nvGrpSpPr>
@@ -21967,7 +22585,7 @@
       </p:grpSpPr>
       <p:sp>
         <p:nvSpPr>
-          <p:cNvPr id="164" name="Google Shape;164;p20"/>
+          <p:cNvPr id="165" name="Google Shape;165;p20"/>
           <p:cNvSpPr/>
           <p:nvPr/>
         </p:nvSpPr>
@@ -22018,7 +22636,7 @@
       </p:sp>
       <p:sp>
         <p:nvSpPr>
-          <p:cNvPr id="165" name="Google Shape;165;p20"/>
+          <p:cNvPr id="166" name="Google Shape;166;p20"/>
           <p:cNvSpPr/>
           <p:nvPr/>
         </p:nvSpPr>
@@ -22069,7 +22687,7 @@
       </p:sp>
       <p:sp>
         <p:nvSpPr>
-          <p:cNvPr id="166" name="Google Shape;166;p20"/>
+          <p:cNvPr id="167" name="Google Shape;167;p20"/>
           <p:cNvSpPr txBox="1"/>
           <p:nvPr/>
         </p:nvSpPr>
@@ -22127,7 +22745,7 @@
       </p:sp>
       <p:sp>
         <p:nvSpPr>
-          <p:cNvPr id="167" name="Google Shape;167;p20"/>
+          <p:cNvPr id="168" name="Google Shape;168;p20"/>
           <p:cNvSpPr txBox="1"/>
           <p:nvPr/>
         </p:nvSpPr>
@@ -22173,7 +22791,7 @@
       </p:sp>
       <p:sp>
         <p:nvSpPr>
-          <p:cNvPr id="168" name="Google Shape;168;p20"/>
+          <p:cNvPr id="169" name="Google Shape;169;p20"/>
           <p:cNvSpPr txBox="1"/>
           <p:nvPr/>
         </p:nvSpPr>
@@ -22215,7 +22833,7 @@
                 <a:cs typeface="Merriweather"/>
                 <a:sym typeface="Merriweather"/>
               </a:rPr>
-              <a:t>A person going with a 36 month Repayment plan is considerable more likely to make full payment compared to someone opting for larger terms, like 60 months. Therefore, they also get lower interest rates.</a:t>
+              <a:t>A person going with a 36 month Repayment plan is considerably more likely to make full payment compared to someone opting for larger terms, like 60 months. Therefore, they also get lower interest rates.</a:t>
             </a:r>
             <a:endParaRPr sz="1600">
               <a:solidFill>
@@ -22231,7 +22849,7 @@
       </p:sp>
       <p:pic>
         <p:nvPicPr>
-          <p:cNvPr id="169" name="Google Shape;169;p20"/>
+          <p:cNvPr id="170" name="Google Shape;170;p20"/>
           <p:cNvPicPr preferRelativeResize="0"/>
           <p:nvPr/>
         </p:nvPicPr>
@@ -22259,7 +22877,7 @@
       </p:pic>
       <p:sp>
         <p:nvSpPr>
-          <p:cNvPr id="170" name="Google Shape;170;p20"/>
+          <p:cNvPr id="171" name="Google Shape;171;p20"/>
           <p:cNvSpPr txBox="1"/>
           <p:nvPr/>
         </p:nvSpPr>
@@ -22328,7 +22946,7 @@
   <p:cSld>
     <p:spTree>
       <p:nvGrpSpPr>
-        <p:cNvPr id="174" name="Shape 174"/>
+        <p:cNvPr id="175" name="Shape 175"/>
         <p:cNvGrpSpPr/>
         <p:nvPr/>
       </p:nvGrpSpPr>
@@ -22342,7 +22960,7 @@
       </p:grpSpPr>
       <p:sp>
         <p:nvSpPr>
-          <p:cNvPr id="175" name="Google Shape;175;p21"/>
+          <p:cNvPr id="176" name="Google Shape;176;p21"/>
           <p:cNvSpPr/>
           <p:nvPr/>
         </p:nvSpPr>
@@ -22397,7 +23015,7 @@
       </p:sp>
       <p:sp>
         <p:nvSpPr>
-          <p:cNvPr id="176" name="Google Shape;176;p21"/>
+          <p:cNvPr id="177" name="Google Shape;177;p21"/>
           <p:cNvSpPr/>
           <p:nvPr/>
         </p:nvSpPr>
@@ -22446,7 +23064,7 @@
       </p:sp>
       <p:sp>
         <p:nvSpPr>
-          <p:cNvPr id="177" name="Google Shape;177;p21"/>
+          <p:cNvPr id="178" name="Google Shape;178;p21"/>
           <p:cNvSpPr txBox="1"/>
           <p:nvPr/>
         </p:nvSpPr>
@@ -22504,7 +23122,7 @@
       </p:sp>
       <p:sp>
         <p:nvSpPr>
-          <p:cNvPr id="178" name="Google Shape;178;p21"/>
+          <p:cNvPr id="179" name="Google Shape;179;p21"/>
           <p:cNvSpPr txBox="1"/>
           <p:nvPr/>
         </p:nvSpPr>
@@ -22553,7 +23171,7 @@
       </p:sp>
       <p:pic>
         <p:nvPicPr>
-          <p:cNvPr id="179" name="Google Shape;179;p21"/>
+          <p:cNvPr id="180" name="Google Shape;180;p21"/>
           <p:cNvPicPr preferRelativeResize="0"/>
           <p:nvPr/>
         </p:nvPicPr>
@@ -22581,7 +23199,7 @@
       </p:pic>
       <p:sp>
         <p:nvSpPr>
-          <p:cNvPr id="180" name="Google Shape;180;p21"/>
+          <p:cNvPr id="181" name="Google Shape;181;p21"/>
           <p:cNvSpPr txBox="1"/>
           <p:nvPr/>
         </p:nvSpPr>
@@ -22663,7 +23281,7 @@
       </p:sp>
       <p:sp>
         <p:nvSpPr>
-          <p:cNvPr id="181" name="Google Shape;181;p21"/>
+          <p:cNvPr id="182" name="Google Shape;182;p21"/>
           <p:cNvSpPr txBox="1"/>
           <p:nvPr/>
         </p:nvSpPr>

--- a/Group_Facilitator_AbhinavTyagi.pptx
+++ b/Group_Facilitator_AbhinavTyagi.pptx
@@ -20143,7 +20143,7 @@
             <a:tbl>
               <a:tblPr>
                 <a:noFill/>
-                <a:tableStyleId>{CB1CD021-A1C8-4BA7-9682-76A5B71B62E7}</a:tableStyleId>
+                <a:tableStyleId>{BDD7273A-524D-4E87-A48B-A4CB89E15D6A}</a:tableStyleId>
               </a:tblPr>
               <a:tblGrid>
                 <a:gridCol w="1498400"/>
@@ -20976,7 +20976,7 @@
             <a:tbl>
               <a:tblPr>
                 <a:noFill/>
-                <a:tableStyleId>{CB1CD021-A1C8-4BA7-9682-76A5B71B62E7}</a:tableStyleId>
+                <a:tableStyleId>{BDD7273A-524D-4E87-A48B-A4CB89E15D6A}</a:tableStyleId>
               </a:tblPr>
               <a:tblGrid>
                 <a:gridCol w="1290725"/>
